--- a/materials/team5_発表用資料.pptx
+++ b/materials/team5_発表用資料.pptx
@@ -8,12 +8,13 @@
     <p:sldId id="256" r:id="rId2"/>
     <p:sldId id="257" r:id="rId3"/>
     <p:sldId id="258" r:id="rId4"/>
-    <p:sldId id="259" r:id="rId5"/>
-    <p:sldId id="260" r:id="rId6"/>
-    <p:sldId id="266" r:id="rId7"/>
-    <p:sldId id="263" r:id="rId8"/>
-    <p:sldId id="264" r:id="rId9"/>
-    <p:sldId id="265" r:id="rId10"/>
+    <p:sldId id="267" r:id="rId5"/>
+    <p:sldId id="259" r:id="rId6"/>
+    <p:sldId id="260" r:id="rId7"/>
+    <p:sldId id="266" r:id="rId8"/>
+    <p:sldId id="263" r:id="rId9"/>
+    <p:sldId id="264" r:id="rId10"/>
+    <p:sldId id="265" r:id="rId11"/>
   </p:sldIdLst>
   <p:sldSz cx="12192000" cy="6858000"/>
   <p:notesSz cx="6858000" cy="9144000"/>
@@ -1065,7 +1066,7 @@
           <a:p>
             <a:fld id="{658342DE-B21D-4275-A870-EEACB68B7470}" type="datetimeFigureOut">
               <a:rPr kumimoji="1" lang="ja-JP" altLang="en-US" smtClean="0"/>
-              <a:t>2025/7/28</a:t>
+              <a:t>2025/8/5</a:t>
             </a:fld>
             <a:endParaRPr kumimoji="1" lang="ja-JP" altLang="en-US"/>
           </a:p>
@@ -1316,7 +1317,7 @@
           <a:p>
             <a:fld id="{658342DE-B21D-4275-A870-EEACB68B7470}" type="datetimeFigureOut">
               <a:rPr kumimoji="1" lang="ja-JP" altLang="en-US" smtClean="0"/>
-              <a:t>2025/7/28</a:t>
+              <a:t>2025/8/5</a:t>
             </a:fld>
             <a:endParaRPr kumimoji="1" lang="ja-JP" altLang="en-US"/>
           </a:p>
@@ -1630,7 +1631,7 @@
           <a:p>
             <a:fld id="{658342DE-B21D-4275-A870-EEACB68B7470}" type="datetimeFigureOut">
               <a:rPr kumimoji="1" lang="ja-JP" altLang="en-US" smtClean="0"/>
-              <a:t>2025/7/28</a:t>
+              <a:t>2025/8/5</a:t>
             </a:fld>
             <a:endParaRPr kumimoji="1" lang="ja-JP" altLang="en-US"/>
           </a:p>
@@ -1963,7 +1964,7 @@
           <a:p>
             <a:fld id="{658342DE-B21D-4275-A870-EEACB68B7470}" type="datetimeFigureOut">
               <a:rPr kumimoji="1" lang="ja-JP" altLang="en-US" smtClean="0"/>
-              <a:t>2025/7/28</a:t>
+              <a:t>2025/8/5</a:t>
             </a:fld>
             <a:endParaRPr kumimoji="1" lang="ja-JP" altLang="en-US"/>
           </a:p>
@@ -2277,7 +2278,7 @@
           <a:p>
             <a:fld id="{658342DE-B21D-4275-A870-EEACB68B7470}" type="datetimeFigureOut">
               <a:rPr kumimoji="1" lang="ja-JP" altLang="en-US" smtClean="0"/>
-              <a:t>2025/7/28</a:t>
+              <a:t>2025/8/5</a:t>
             </a:fld>
             <a:endParaRPr kumimoji="1" lang="ja-JP" altLang="en-US"/>
           </a:p>
@@ -2670,7 +2671,7 @@
           <a:p>
             <a:fld id="{658342DE-B21D-4275-A870-EEACB68B7470}" type="datetimeFigureOut">
               <a:rPr kumimoji="1" lang="ja-JP" altLang="en-US" smtClean="0"/>
-              <a:t>2025/7/28</a:t>
+              <a:t>2025/8/5</a:t>
             </a:fld>
             <a:endParaRPr kumimoji="1" lang="ja-JP" altLang="en-US"/>
           </a:p>
@@ -2872,7 +2873,7 @@
           <a:p>
             <a:fld id="{658342DE-B21D-4275-A870-EEACB68B7470}" type="datetimeFigureOut">
               <a:rPr kumimoji="1" lang="ja-JP" altLang="en-US" smtClean="0"/>
-              <a:t>2025/7/28</a:t>
+              <a:t>2025/8/5</a:t>
             </a:fld>
             <a:endParaRPr kumimoji="1" lang="ja-JP" altLang="en-US"/>
           </a:p>
@@ -3084,7 +3085,7 @@
           <a:p>
             <a:fld id="{658342DE-B21D-4275-A870-EEACB68B7470}" type="datetimeFigureOut">
               <a:rPr kumimoji="1" lang="ja-JP" altLang="en-US" smtClean="0"/>
-              <a:t>2025/7/28</a:t>
+              <a:t>2025/8/5</a:t>
             </a:fld>
             <a:endParaRPr kumimoji="1" lang="ja-JP" altLang="en-US"/>
           </a:p>
@@ -3286,7 +3287,7 @@
           <a:p>
             <a:fld id="{658342DE-B21D-4275-A870-EEACB68B7470}" type="datetimeFigureOut">
               <a:rPr kumimoji="1" lang="ja-JP" altLang="en-US" smtClean="0"/>
-              <a:t>2025/7/28</a:t>
+              <a:t>2025/8/5</a:t>
             </a:fld>
             <a:endParaRPr kumimoji="1" lang="ja-JP" altLang="en-US"/>
           </a:p>
@@ -3533,7 +3534,7 @@
           <a:p>
             <a:fld id="{658342DE-B21D-4275-A870-EEACB68B7470}" type="datetimeFigureOut">
               <a:rPr kumimoji="1" lang="ja-JP" altLang="en-US" smtClean="0"/>
-              <a:t>2025/7/28</a:t>
+              <a:t>2025/8/5</a:t>
             </a:fld>
             <a:endParaRPr kumimoji="1" lang="ja-JP" altLang="en-US"/>
           </a:p>
@@ -3829,7 +3830,7 @@
           <a:p>
             <a:fld id="{658342DE-B21D-4275-A870-EEACB68B7470}" type="datetimeFigureOut">
               <a:rPr kumimoji="1" lang="ja-JP" altLang="en-US" smtClean="0"/>
-              <a:t>2025/7/28</a:t>
+              <a:t>2025/8/5</a:t>
             </a:fld>
             <a:endParaRPr kumimoji="1" lang="ja-JP" altLang="en-US"/>
           </a:p>
@@ -4267,7 +4268,7 @@
           <a:p>
             <a:fld id="{658342DE-B21D-4275-A870-EEACB68B7470}" type="datetimeFigureOut">
               <a:rPr kumimoji="1" lang="ja-JP" altLang="en-US" smtClean="0"/>
-              <a:t>2025/7/28</a:t>
+              <a:t>2025/8/5</a:t>
             </a:fld>
             <a:endParaRPr kumimoji="1" lang="ja-JP" altLang="en-US"/>
           </a:p>
@@ -4390,7 +4391,7 @@
           <a:p>
             <a:fld id="{658342DE-B21D-4275-A870-EEACB68B7470}" type="datetimeFigureOut">
               <a:rPr kumimoji="1" lang="ja-JP" altLang="en-US" smtClean="0"/>
-              <a:t>2025/7/28</a:t>
+              <a:t>2025/8/5</a:t>
             </a:fld>
             <a:endParaRPr kumimoji="1" lang="ja-JP" altLang="en-US"/>
           </a:p>
@@ -4485,7 +4486,7 @@
           <a:p>
             <a:fld id="{658342DE-B21D-4275-A870-EEACB68B7470}" type="datetimeFigureOut">
               <a:rPr kumimoji="1" lang="ja-JP" altLang="en-US" smtClean="0"/>
-              <a:t>2025/7/28</a:t>
+              <a:t>2025/8/5</a:t>
             </a:fld>
             <a:endParaRPr kumimoji="1" lang="ja-JP" altLang="en-US"/>
           </a:p>
@@ -4772,7 +4773,7 @@
           <a:p>
             <a:fld id="{658342DE-B21D-4275-A870-EEACB68B7470}" type="datetimeFigureOut">
               <a:rPr kumimoji="1" lang="ja-JP" altLang="en-US" smtClean="0"/>
-              <a:t>2025/7/28</a:t>
+              <a:t>2025/8/5</a:t>
             </a:fld>
             <a:endParaRPr kumimoji="1" lang="ja-JP" altLang="en-US"/>
           </a:p>
@@ -5077,7 +5078,7 @@
           <a:p>
             <a:fld id="{658342DE-B21D-4275-A870-EEACB68B7470}" type="datetimeFigureOut">
               <a:rPr kumimoji="1" lang="ja-JP" altLang="en-US" smtClean="0"/>
-              <a:t>2025/7/28</a:t>
+              <a:t>2025/8/5</a:t>
             </a:fld>
             <a:endParaRPr kumimoji="1" lang="ja-JP" altLang="en-US"/>
           </a:p>
@@ -5811,7 +5812,7 @@
           <a:p>
             <a:fld id="{658342DE-B21D-4275-A870-EEACB68B7470}" type="datetimeFigureOut">
               <a:rPr kumimoji="1" lang="ja-JP" altLang="en-US" smtClean="0"/>
-              <a:t>2025/7/28</a:t>
+              <a:t>2025/8/5</a:t>
             </a:fld>
             <a:endParaRPr kumimoji="1" lang="ja-JP" altLang="en-US"/>
           </a:p>
@@ -6480,6 +6481,120 @@
 </p:sld>
 </file>
 
+<file path=ppt/slides/slide10.xml><?xml version="1.0" encoding="utf-8"?>
+<p:sld xmlns:a="http://schemas.openxmlformats.org/drawingml/2006/main" xmlns:r="http://schemas.openxmlformats.org/officeDocument/2006/relationships" xmlns:p="http://schemas.openxmlformats.org/presentationml/2006/main" show="0">
+  <p:cSld>
+    <p:spTree>
+      <p:nvGrpSpPr>
+        <p:cNvPr id="1" name=""/>
+        <p:cNvGrpSpPr/>
+        <p:nvPr/>
+      </p:nvGrpSpPr>
+      <p:grpSpPr>
+        <a:xfrm>
+          <a:off x="0" y="0"/>
+          <a:ext cx="0" cy="0"/>
+          <a:chOff x="0" y="0"/>
+          <a:chExt cx="0" cy="0"/>
+        </a:xfrm>
+      </p:grpSpPr>
+      <p:sp>
+        <p:nvSpPr>
+          <p:cNvPr id="2" name="タイトル 1">
+            <a:extLst>
+              <a:ext uri="{FF2B5EF4-FFF2-40B4-BE49-F238E27FC236}">
+                <a16:creationId xmlns:a16="http://schemas.microsoft.com/office/drawing/2014/main" id="{786383BF-C9DE-C694-9E8F-54869B70973A}"/>
+              </a:ext>
+            </a:extLst>
+          </p:cNvPr>
+          <p:cNvSpPr>
+            <a:spLocks noGrp="1"/>
+          </p:cNvSpPr>
+          <p:nvPr>
+            <p:ph type="title"/>
+          </p:nvPr>
+        </p:nvSpPr>
+        <p:spPr/>
+        <p:txBody>
+          <a:bodyPr/>
+          <a:lstStyle/>
+          <a:p>
+            <a:endParaRPr kumimoji="1" lang="ja-JP" altLang="en-US"/>
+          </a:p>
+        </p:txBody>
+      </p:sp>
+      <p:pic>
+        <p:nvPicPr>
+          <p:cNvPr id="8" name="コンテンツ プレースホルダー 7">
+            <a:extLst>
+              <a:ext uri="{FF2B5EF4-FFF2-40B4-BE49-F238E27FC236}">
+                <a16:creationId xmlns:a16="http://schemas.microsoft.com/office/drawing/2014/main" id="{E81236FF-D369-F54D-4095-CF0457398229}"/>
+              </a:ext>
+            </a:extLst>
+          </p:cNvPr>
+          <p:cNvPicPr>
+            <a:picLocks noGrp="1" noChangeAspect="1"/>
+          </p:cNvPicPr>
+          <p:nvPr>
+            <p:ph idx="1"/>
+          </p:nvPr>
+        </p:nvPicPr>
+        <p:blipFill>
+          <a:blip r:embed="rId2"/>
+          <a:stretch>
+            <a:fillRect/>
+          </a:stretch>
+        </p:blipFill>
+        <p:spPr>
+          <a:xfrm>
+            <a:off x="3035300" y="2160588"/>
+            <a:ext cx="3881437" cy="3881437"/>
+          </a:xfrm>
+        </p:spPr>
+      </p:pic>
+      <p:pic>
+        <p:nvPicPr>
+          <p:cNvPr id="4" name="図 3">
+            <a:extLst>
+              <a:ext uri="{FF2B5EF4-FFF2-40B4-BE49-F238E27FC236}">
+                <a16:creationId xmlns:a16="http://schemas.microsoft.com/office/drawing/2014/main" id="{2B65059E-71BF-8FD6-5DEB-B0D40747CA25}"/>
+              </a:ext>
+            </a:extLst>
+          </p:cNvPr>
+          <p:cNvPicPr>
+            <a:picLocks noChangeAspect="1"/>
+          </p:cNvPicPr>
+          <p:nvPr/>
+        </p:nvPicPr>
+        <p:blipFill>
+          <a:blip r:embed="rId3"/>
+          <a:stretch>
+            <a:fillRect/>
+          </a:stretch>
+        </p:blipFill>
+        <p:spPr>
+          <a:xfrm>
+            <a:off x="3735008" y="1636989"/>
+            <a:ext cx="5400040" cy="2992755"/>
+          </a:xfrm>
+          <a:prstGeom prst="rect">
+            <a:avLst/>
+          </a:prstGeom>
+        </p:spPr>
+      </p:pic>
+    </p:spTree>
+    <p:extLst>
+      <p:ext uri="{BB962C8B-B14F-4D97-AF65-F5344CB8AC3E}">
+        <p14:creationId xmlns:p14="http://schemas.microsoft.com/office/powerpoint/2010/main" val="2220163503"/>
+      </p:ext>
+    </p:extLst>
+  </p:cSld>
+  <p:clrMapOvr>
+    <a:masterClrMapping/>
+  </p:clrMapOvr>
+</p:sld>
+</file>
+
 <file path=ppt/slides/slide2.xml><?xml version="1.0" encoding="utf-8"?>
 <p:sld xmlns:a="http://schemas.openxmlformats.org/drawingml/2006/main" xmlns:r="http://schemas.openxmlformats.org/officeDocument/2006/relationships" xmlns:p="http://schemas.openxmlformats.org/presentationml/2006/main">
   <p:cSld>
@@ -7091,6 +7206,512 @@
   <p:cSld>
     <p:spTree>
       <p:nvGrpSpPr>
+        <p:cNvPr id="1" name="">
+          <a:extLst>
+            <a:ext uri="{FF2B5EF4-FFF2-40B4-BE49-F238E27FC236}">
+              <a16:creationId xmlns:a16="http://schemas.microsoft.com/office/drawing/2014/main" id="{74DB4081-E401-4871-FC69-B5AAEE1B56CF}"/>
+            </a:ext>
+          </a:extLst>
+        </p:cNvPr>
+        <p:cNvGrpSpPr/>
+        <p:nvPr/>
+      </p:nvGrpSpPr>
+      <p:grpSpPr>
+        <a:xfrm>
+          <a:off x="0" y="0"/>
+          <a:ext cx="0" cy="0"/>
+          <a:chOff x="0" y="0"/>
+          <a:chExt cx="0" cy="0"/>
+        </a:xfrm>
+      </p:grpSpPr>
+      <p:sp>
+        <p:nvSpPr>
+          <p:cNvPr id="2" name="タイトル 1">
+            <a:extLst>
+              <a:ext uri="{FF2B5EF4-FFF2-40B4-BE49-F238E27FC236}">
+                <a16:creationId xmlns:a16="http://schemas.microsoft.com/office/drawing/2014/main" id="{A3509790-BF64-3E0A-FE3D-A70AEEF8DA34}"/>
+              </a:ext>
+            </a:extLst>
+          </p:cNvPr>
+          <p:cNvSpPr>
+            <a:spLocks noGrp="1"/>
+          </p:cNvSpPr>
+          <p:nvPr>
+            <p:ph type="title"/>
+          </p:nvPr>
+        </p:nvSpPr>
+        <p:spPr/>
+        <p:txBody>
+          <a:bodyPr/>
+          <a:lstStyle/>
+          <a:p>
+            <a:r>
+              <a:rPr kumimoji="1" lang="ja-JP" altLang="en-US" dirty="0"/>
+              <a:t>アプリの概要：</a:t>
+            </a:r>
+            <a:r>
+              <a:rPr lang="ja-JP" altLang="en-US" dirty="0"/>
+              <a:t>クラス</a:t>
+            </a:r>
+            <a:endParaRPr kumimoji="1" lang="ja-JP" altLang="en-US" dirty="0"/>
+          </a:p>
+        </p:txBody>
+      </p:sp>
+      <p:sp>
+        <p:nvSpPr>
+          <p:cNvPr id="3" name="コンテンツ プレースホルダー 2">
+            <a:extLst>
+              <a:ext uri="{FF2B5EF4-FFF2-40B4-BE49-F238E27FC236}">
+                <a16:creationId xmlns:a16="http://schemas.microsoft.com/office/drawing/2014/main" id="{96D8C66C-5C5B-D3B1-F312-DA79F05C8CE9}"/>
+              </a:ext>
+            </a:extLst>
+          </p:cNvPr>
+          <p:cNvSpPr>
+            <a:spLocks noGrp="1"/>
+          </p:cNvSpPr>
+          <p:nvPr>
+            <p:ph idx="1"/>
+          </p:nvPr>
+        </p:nvSpPr>
+        <p:spPr>
+          <a:xfrm>
+            <a:off x="614184" y="1410340"/>
+            <a:ext cx="10009481" cy="4838060"/>
+          </a:xfrm>
+        </p:spPr>
+        <p:txBody>
+          <a:bodyPr>
+            <a:normAutofit/>
+          </a:bodyPr>
+          <a:lstStyle/>
+          <a:p>
+            <a:pPr marL="0" indent="0">
+              <a:buNone/>
+            </a:pPr>
+            <a:endParaRPr lang="en-US" altLang="ja-JP" sz="500" b="1" dirty="0"/>
+          </a:p>
+          <a:p>
+            <a:r>
+              <a:rPr lang="en-US" altLang="ja-JP" sz="2400" b="1" dirty="0">
+                <a:solidFill>
+                  <a:srgbClr val="C00000"/>
+                </a:solidFill>
+              </a:rPr>
+              <a:t>Chara</a:t>
+            </a:r>
+            <a:r>
+              <a:rPr lang="ja-JP" altLang="en-US" sz="2400" b="1" dirty="0">
+                <a:solidFill>
+                  <a:srgbClr val="C00000"/>
+                </a:solidFill>
+              </a:rPr>
+              <a:t>クラス</a:t>
+            </a:r>
+            <a:r>
+              <a:rPr lang="en-US" altLang="ja-JP" sz="2400" b="1" dirty="0"/>
+              <a:t>	</a:t>
+            </a:r>
+            <a:r>
+              <a:rPr lang="ja-JP" altLang="en-US" sz="2400" b="1" dirty="0"/>
+              <a:t>：最大体力、現時点体力、攻撃力を保持。</a:t>
+            </a:r>
+            <a:r>
+              <a:rPr lang="en-US" altLang="ja-JP" sz="2400" b="1" dirty="0"/>
+              <a:t>	</a:t>
+            </a:r>
+          </a:p>
+          <a:p>
+            <a:pPr marL="0" indent="0">
+              <a:buNone/>
+            </a:pPr>
+            <a:r>
+              <a:rPr lang="en-US" altLang="ja-JP" sz="2400" b="1" dirty="0"/>
+              <a:t>					</a:t>
+            </a:r>
+            <a:r>
+              <a:rPr lang="ja-JP" altLang="en-US" sz="2400" b="1" dirty="0"/>
+              <a:t>　</a:t>
+            </a:r>
+            <a:r>
+              <a:rPr lang="en-US" altLang="ja-JP" sz="2400" b="1" dirty="0"/>
+              <a:t>Attack()</a:t>
+            </a:r>
+            <a:r>
+              <a:rPr lang="ja-JP" altLang="en-US" sz="2400" b="1" dirty="0"/>
+              <a:t>関数、</a:t>
+            </a:r>
+            <a:r>
+              <a:rPr lang="en-US" altLang="ja-JP" sz="2400" b="1" dirty="0" err="1"/>
+              <a:t>GetHP</a:t>
+            </a:r>
+            <a:r>
+              <a:rPr lang="en-US" altLang="ja-JP" sz="2400" b="1" dirty="0"/>
+              <a:t>()</a:t>
+            </a:r>
+            <a:r>
+              <a:rPr lang="ja-JP" altLang="en-US" sz="2400" b="1" dirty="0"/>
+              <a:t>関数、</a:t>
+            </a:r>
+            <a:r>
+              <a:rPr lang="en-US" altLang="ja-JP" sz="2400" b="1" dirty="0" err="1"/>
+              <a:t>SetHP</a:t>
+            </a:r>
+            <a:r>
+              <a:rPr lang="en-US" altLang="ja-JP" sz="2400" b="1" dirty="0"/>
+              <a:t>()</a:t>
+            </a:r>
+            <a:r>
+              <a:rPr lang="ja-JP" altLang="en-US" sz="2400" b="1" dirty="0"/>
+              <a:t>関数を用意</a:t>
+            </a:r>
+            <a:endParaRPr lang="en-US" altLang="ja-JP" sz="1800" b="1" dirty="0"/>
+          </a:p>
+          <a:p>
+            <a:pPr marL="2286000" lvl="5" indent="0">
+              <a:buNone/>
+            </a:pPr>
+            <a:r>
+              <a:rPr lang="en-US" altLang="ja-JP" sz="100" b="1" dirty="0"/>
+              <a:t>	</a:t>
+            </a:r>
+          </a:p>
+          <a:p>
+            <a:pPr marL="0" indent="0">
+              <a:buNone/>
+            </a:pPr>
+            <a:r>
+              <a:rPr lang="en-US" altLang="ja-JP" sz="2400" b="1" dirty="0"/>
+              <a:t>		</a:t>
+            </a:r>
+            <a:r>
+              <a:rPr lang="ja-JP" altLang="en-US" sz="2400" b="1" dirty="0"/>
+              <a:t>・</a:t>
+            </a:r>
+            <a:r>
+              <a:rPr lang="en-US" altLang="ja-JP" sz="2400" b="1" dirty="0">
+                <a:solidFill>
+                  <a:srgbClr val="C00000"/>
+                </a:solidFill>
+              </a:rPr>
+              <a:t>Enemy</a:t>
+            </a:r>
+            <a:r>
+              <a:rPr lang="ja-JP" altLang="en-US" sz="2400" b="1" dirty="0">
+                <a:solidFill>
+                  <a:srgbClr val="C00000"/>
+                </a:solidFill>
+              </a:rPr>
+              <a:t>クラス</a:t>
+            </a:r>
+            <a:endParaRPr lang="en-US" altLang="ja-JP" sz="2400" b="1" dirty="0">
+              <a:solidFill>
+                <a:srgbClr val="C00000"/>
+              </a:solidFill>
+            </a:endParaRPr>
+          </a:p>
+          <a:p>
+            <a:pPr marL="0" indent="0">
+              <a:buNone/>
+            </a:pPr>
+            <a:r>
+              <a:rPr lang="en-US" altLang="ja-JP" sz="2400" b="1" dirty="0"/>
+              <a:t>				</a:t>
+            </a:r>
+            <a:r>
+              <a:rPr lang="ja-JP" altLang="en-US" sz="2400" b="1" dirty="0"/>
+              <a:t>敵のステータス管理、描画を行う</a:t>
+            </a:r>
+            <a:endParaRPr lang="en-US" altLang="ja-JP" sz="2400" b="1" dirty="0"/>
+          </a:p>
+          <a:p>
+            <a:pPr marL="0" indent="0">
+              <a:buNone/>
+            </a:pPr>
+            <a:r>
+              <a:rPr lang="en-US" altLang="ja-JP" sz="2400" b="1" dirty="0"/>
+              <a:t>		</a:t>
+            </a:r>
+            <a:r>
+              <a:rPr lang="ja-JP" altLang="en-US" sz="2400" b="1" dirty="0"/>
+              <a:t>・</a:t>
+            </a:r>
+            <a:r>
+              <a:rPr lang="en-US" altLang="ja-JP" sz="2400" b="1" dirty="0">
+                <a:solidFill>
+                  <a:srgbClr val="C00000"/>
+                </a:solidFill>
+              </a:rPr>
+              <a:t>Player</a:t>
+            </a:r>
+            <a:r>
+              <a:rPr lang="ja-JP" altLang="en-US" sz="2400" b="1" dirty="0">
+                <a:solidFill>
+                  <a:srgbClr val="C00000"/>
+                </a:solidFill>
+              </a:rPr>
+              <a:t>クラス</a:t>
+            </a:r>
+            <a:endParaRPr lang="en-US" altLang="ja-JP" sz="2400" b="1" dirty="0">
+              <a:solidFill>
+                <a:srgbClr val="C00000"/>
+              </a:solidFill>
+            </a:endParaRPr>
+          </a:p>
+          <a:p>
+            <a:pPr marL="0" indent="0">
+              <a:buNone/>
+            </a:pPr>
+            <a:r>
+              <a:rPr kumimoji="1" lang="en-US" altLang="ja-JP" sz="2400" b="1" dirty="0"/>
+              <a:t>				</a:t>
+            </a:r>
+            <a:r>
+              <a:rPr kumimoji="1" lang="ja-JP" altLang="en-US" sz="2400" b="1" dirty="0"/>
+              <a:t>プレイ</a:t>
+            </a:r>
+            <a:r>
+              <a:rPr lang="ja-JP" altLang="en-US" sz="2400" b="1" dirty="0"/>
+              <a:t>ヤーのステータス管理、</a:t>
+            </a:r>
+            <a:r>
+              <a:rPr lang="en-US" altLang="ja-JP" sz="2400" b="1" dirty="0"/>
+              <a:t>HP</a:t>
+            </a:r>
+            <a:r>
+              <a:rPr lang="ja-JP" altLang="en-US" sz="2400" b="1" dirty="0"/>
+              <a:t>バーの描画を行う</a:t>
+            </a:r>
+            <a:endParaRPr kumimoji="1" lang="en-US" altLang="ja-JP" sz="500" b="1" dirty="0"/>
+          </a:p>
+          <a:p>
+            <a:r>
+              <a:rPr lang="en-US" altLang="ja-JP" sz="2400" b="1" dirty="0">
+                <a:solidFill>
+                  <a:srgbClr val="C00000"/>
+                </a:solidFill>
+              </a:rPr>
+              <a:t>Puzzle</a:t>
+            </a:r>
+            <a:r>
+              <a:rPr lang="ja-JP" altLang="en-US" sz="2400" b="1" dirty="0">
+                <a:solidFill>
+                  <a:srgbClr val="C00000"/>
+                </a:solidFill>
+              </a:rPr>
+              <a:t>クラス</a:t>
+            </a:r>
+            <a:r>
+              <a:rPr lang="ja-JP" altLang="en-US" sz="2400" b="1" dirty="0"/>
+              <a:t>：パズルの処理、描画を行う</a:t>
+            </a:r>
+            <a:endParaRPr lang="en-US" altLang="ja-JP" sz="2400" b="1" dirty="0"/>
+          </a:p>
+        </p:txBody>
+      </p:sp>
+      <p:pic>
+        <p:nvPicPr>
+          <p:cNvPr id="6" name="図 5">
+            <a:extLst>
+              <a:ext uri="{FF2B5EF4-FFF2-40B4-BE49-F238E27FC236}">
+                <a16:creationId xmlns:a16="http://schemas.microsoft.com/office/drawing/2014/main" id="{1F988BA5-043D-B17E-CF02-997C27E2C42B}"/>
+              </a:ext>
+            </a:extLst>
+          </p:cNvPr>
+          <p:cNvPicPr>
+            <a:picLocks noChangeAspect="1"/>
+          </p:cNvPicPr>
+          <p:nvPr/>
+        </p:nvPicPr>
+        <p:blipFill>
+          <a:blip r:embed="rId2"/>
+          <a:srcRect l="73430" t="52355" r="4544" b="5605"/>
+          <a:stretch>
+            <a:fillRect/>
+          </a:stretch>
+        </p:blipFill>
+        <p:spPr>
+          <a:xfrm>
+            <a:off x="4174383" y="5210004"/>
+            <a:ext cx="1189408" cy="1258159"/>
+          </a:xfrm>
+          <a:prstGeom prst="rect">
+            <a:avLst/>
+          </a:prstGeom>
+        </p:spPr>
+      </p:pic>
+      <p:pic>
+        <p:nvPicPr>
+          <p:cNvPr id="7" name="図 6">
+            <a:extLst>
+              <a:ext uri="{FF2B5EF4-FFF2-40B4-BE49-F238E27FC236}">
+                <a16:creationId xmlns:a16="http://schemas.microsoft.com/office/drawing/2014/main" id="{1CD44183-080F-93A7-F738-C53843F8109A}"/>
+              </a:ext>
+            </a:extLst>
+          </p:cNvPr>
+          <p:cNvPicPr>
+            <a:picLocks noChangeAspect="1"/>
+          </p:cNvPicPr>
+          <p:nvPr/>
+        </p:nvPicPr>
+        <p:blipFill>
+          <a:blip r:embed="rId2"/>
+          <a:srcRect l="5039" t="2006" r="73571" b="48602"/>
+          <a:stretch>
+            <a:fillRect/>
+          </a:stretch>
+        </p:blipFill>
+        <p:spPr>
+          <a:xfrm>
+            <a:off x="3021645" y="5221011"/>
+            <a:ext cx="1089717" cy="1394580"/>
+          </a:xfrm>
+          <a:prstGeom prst="rect">
+            <a:avLst/>
+          </a:prstGeom>
+        </p:spPr>
+      </p:pic>
+      <p:pic>
+        <p:nvPicPr>
+          <p:cNvPr id="8" name="図 7">
+            <a:extLst>
+              <a:ext uri="{FF2B5EF4-FFF2-40B4-BE49-F238E27FC236}">
+                <a16:creationId xmlns:a16="http://schemas.microsoft.com/office/drawing/2014/main" id="{C37DF2A5-F65C-0E14-65F2-58BA731F831B}"/>
+              </a:ext>
+            </a:extLst>
+          </p:cNvPr>
+          <p:cNvPicPr>
+            <a:picLocks noChangeAspect="1"/>
+          </p:cNvPicPr>
+          <p:nvPr/>
+        </p:nvPicPr>
+        <p:blipFill>
+          <a:blip r:embed="rId2"/>
+          <a:srcRect l="36741" t="2696" r="36141" b="50440"/>
+          <a:stretch>
+            <a:fillRect/>
+          </a:stretch>
+        </p:blipFill>
+        <p:spPr>
+          <a:xfrm>
+            <a:off x="1787548" y="5500491"/>
+            <a:ext cx="1155031" cy="1106226"/>
+          </a:xfrm>
+          <a:prstGeom prst="rect">
+            <a:avLst/>
+          </a:prstGeom>
+        </p:spPr>
+      </p:pic>
+      <p:pic>
+        <p:nvPicPr>
+          <p:cNvPr id="9" name="図 8">
+            <a:extLst>
+              <a:ext uri="{FF2B5EF4-FFF2-40B4-BE49-F238E27FC236}">
+                <a16:creationId xmlns:a16="http://schemas.microsoft.com/office/drawing/2014/main" id="{9188FF9E-F3C0-C922-B37E-48FC126FB949}"/>
+              </a:ext>
+            </a:extLst>
+          </p:cNvPr>
+          <p:cNvPicPr>
+            <a:picLocks noChangeAspect="1"/>
+          </p:cNvPicPr>
+          <p:nvPr/>
+        </p:nvPicPr>
+        <p:blipFill>
+          <a:blip r:embed="rId2"/>
+          <a:srcRect l="69546" t="3473" r="6773" b="52394"/>
+          <a:stretch>
+            <a:fillRect/>
+          </a:stretch>
+        </p:blipFill>
+        <p:spPr>
+          <a:xfrm>
+            <a:off x="5327121" y="5271588"/>
+            <a:ext cx="1098886" cy="1134989"/>
+          </a:xfrm>
+          <a:prstGeom prst="rect">
+            <a:avLst/>
+          </a:prstGeom>
+        </p:spPr>
+      </p:pic>
+      <p:pic>
+        <p:nvPicPr>
+          <p:cNvPr id="10" name="図 9">
+            <a:extLst>
+              <a:ext uri="{FF2B5EF4-FFF2-40B4-BE49-F238E27FC236}">
+                <a16:creationId xmlns:a16="http://schemas.microsoft.com/office/drawing/2014/main" id="{B733A89C-58E7-6AC6-0BCC-19E7474CE790}"/>
+              </a:ext>
+            </a:extLst>
+          </p:cNvPr>
+          <p:cNvPicPr>
+            <a:picLocks noChangeAspect="1"/>
+          </p:cNvPicPr>
+          <p:nvPr/>
+        </p:nvPicPr>
+        <p:blipFill>
+          <a:blip r:embed="rId2"/>
+          <a:srcRect l="3257" t="57831" r="70593" b="4357"/>
+          <a:stretch>
+            <a:fillRect/>
+          </a:stretch>
+        </p:blipFill>
+        <p:spPr>
+          <a:xfrm>
+            <a:off x="506077" y="5591397"/>
+            <a:ext cx="1260845" cy="1010422"/>
+          </a:xfrm>
+          <a:prstGeom prst="rect">
+            <a:avLst/>
+          </a:prstGeom>
+        </p:spPr>
+      </p:pic>
+      <p:pic>
+        <p:nvPicPr>
+          <p:cNvPr id="11" name="図 10">
+            <a:extLst>
+              <a:ext uri="{FF2B5EF4-FFF2-40B4-BE49-F238E27FC236}">
+                <a16:creationId xmlns:a16="http://schemas.microsoft.com/office/drawing/2014/main" id="{275AE2F6-16DA-6789-B68E-B5D8E321D6DF}"/>
+              </a:ext>
+            </a:extLst>
+          </p:cNvPr>
+          <p:cNvPicPr>
+            <a:picLocks noChangeAspect="1"/>
+          </p:cNvPicPr>
+          <p:nvPr/>
+        </p:nvPicPr>
+        <p:blipFill>
+          <a:blip r:embed="rId2"/>
+          <a:srcRect l="39414" t="58519" r="38433" b="1967"/>
+          <a:stretch>
+            <a:fillRect/>
+          </a:stretch>
+        </p:blipFill>
+        <p:spPr>
+          <a:xfrm>
+            <a:off x="6516529" y="5224045"/>
+            <a:ext cx="1196284" cy="1182532"/>
+          </a:xfrm>
+          <a:prstGeom prst="rect">
+            <a:avLst/>
+          </a:prstGeom>
+        </p:spPr>
+      </p:pic>
+    </p:spTree>
+    <p:extLst>
+      <p:ext uri="{BB962C8B-B14F-4D97-AF65-F5344CB8AC3E}">
+        <p14:creationId xmlns:p14="http://schemas.microsoft.com/office/powerpoint/2010/main" val="2010898747"/>
+      </p:ext>
+    </p:extLst>
+  </p:cSld>
+  <p:clrMapOvr>
+    <a:masterClrMapping/>
+  </p:clrMapOvr>
+</p:sld>
+</file>
+
+<file path=ppt/slides/slide5.xml><?xml version="1.0" encoding="utf-8"?>
+<p:sld xmlns:a="http://schemas.openxmlformats.org/drawingml/2006/main" xmlns:r="http://schemas.openxmlformats.org/officeDocument/2006/relationships" xmlns:p="http://schemas.openxmlformats.org/presentationml/2006/main">
+  <p:cSld>
+    <p:spTree>
+      <p:nvGrpSpPr>
         <p:cNvPr id="1" name=""/>
         <p:cNvGrpSpPr/>
         <p:nvPr/>
@@ -7664,7 +8285,7 @@
 </p:sld>
 </file>
 
-<file path=ppt/slides/slide5.xml><?xml version="1.0" encoding="utf-8"?>
+<file path=ppt/slides/slide6.xml><?xml version="1.0" encoding="utf-8"?>
 <p:sld xmlns:a="http://schemas.openxmlformats.org/drawingml/2006/main" xmlns:r="http://schemas.openxmlformats.org/officeDocument/2006/relationships" xmlns:p="http://schemas.openxmlformats.org/presentationml/2006/main">
   <p:cSld>
     <p:spTree>
@@ -8075,7 +8696,7 @@
 </p:sld>
 </file>
 
-<file path=ppt/slides/slide6.xml><?xml version="1.0" encoding="utf-8"?>
+<file path=ppt/slides/slide7.xml><?xml version="1.0" encoding="utf-8"?>
 <p:sld xmlns:a="http://schemas.openxmlformats.org/drawingml/2006/main" xmlns:r="http://schemas.openxmlformats.org/officeDocument/2006/relationships" xmlns:p="http://schemas.openxmlformats.org/presentationml/2006/main">
   <p:cSld>
     <p:spTree>
@@ -8528,7 +9149,7 @@
 </p:sld>
 </file>
 
-<file path=ppt/slides/slide7.xml><?xml version="1.0" encoding="utf-8"?>
+<file path=ppt/slides/slide8.xml><?xml version="1.0" encoding="utf-8"?>
 <p:sld xmlns:a="http://schemas.openxmlformats.org/drawingml/2006/main" xmlns:r="http://schemas.openxmlformats.org/officeDocument/2006/relationships" xmlns:p="http://schemas.openxmlformats.org/presentationml/2006/main">
   <p:cSld>
     <p:spTree>
@@ -8635,7 +9256,7 @@
 </p:sld>
 </file>
 
-<file path=ppt/slides/slide8.xml><?xml version="1.0" encoding="utf-8"?>
+<file path=ppt/slides/slide9.xml><?xml version="1.0" encoding="utf-8"?>
 <p:sld xmlns:a="http://schemas.openxmlformats.org/drawingml/2006/main" xmlns:r="http://schemas.openxmlformats.org/officeDocument/2006/relationships" xmlns:p="http://schemas.openxmlformats.org/presentationml/2006/main">
   <p:cSld>
     <p:spTree>
@@ -8878,120 +9499,6 @@
     <p:extLst>
       <p:ext uri="{BB962C8B-B14F-4D97-AF65-F5344CB8AC3E}">
         <p14:creationId xmlns:p14="http://schemas.microsoft.com/office/powerpoint/2010/main" val="35947487"/>
-      </p:ext>
-    </p:extLst>
-  </p:cSld>
-  <p:clrMapOvr>
-    <a:masterClrMapping/>
-  </p:clrMapOvr>
-</p:sld>
-</file>
-
-<file path=ppt/slides/slide9.xml><?xml version="1.0" encoding="utf-8"?>
-<p:sld xmlns:a="http://schemas.openxmlformats.org/drawingml/2006/main" xmlns:r="http://schemas.openxmlformats.org/officeDocument/2006/relationships" xmlns:p="http://schemas.openxmlformats.org/presentationml/2006/main" show="0">
-  <p:cSld>
-    <p:spTree>
-      <p:nvGrpSpPr>
-        <p:cNvPr id="1" name=""/>
-        <p:cNvGrpSpPr/>
-        <p:nvPr/>
-      </p:nvGrpSpPr>
-      <p:grpSpPr>
-        <a:xfrm>
-          <a:off x="0" y="0"/>
-          <a:ext cx="0" cy="0"/>
-          <a:chOff x="0" y="0"/>
-          <a:chExt cx="0" cy="0"/>
-        </a:xfrm>
-      </p:grpSpPr>
-      <p:sp>
-        <p:nvSpPr>
-          <p:cNvPr id="2" name="タイトル 1">
-            <a:extLst>
-              <a:ext uri="{FF2B5EF4-FFF2-40B4-BE49-F238E27FC236}">
-                <a16:creationId xmlns:a16="http://schemas.microsoft.com/office/drawing/2014/main" id="{786383BF-C9DE-C694-9E8F-54869B70973A}"/>
-              </a:ext>
-            </a:extLst>
-          </p:cNvPr>
-          <p:cNvSpPr>
-            <a:spLocks noGrp="1"/>
-          </p:cNvSpPr>
-          <p:nvPr>
-            <p:ph type="title"/>
-          </p:nvPr>
-        </p:nvSpPr>
-        <p:spPr/>
-        <p:txBody>
-          <a:bodyPr/>
-          <a:lstStyle/>
-          <a:p>
-            <a:endParaRPr kumimoji="1" lang="ja-JP" altLang="en-US"/>
-          </a:p>
-        </p:txBody>
-      </p:sp>
-      <p:pic>
-        <p:nvPicPr>
-          <p:cNvPr id="8" name="コンテンツ プレースホルダー 7">
-            <a:extLst>
-              <a:ext uri="{FF2B5EF4-FFF2-40B4-BE49-F238E27FC236}">
-                <a16:creationId xmlns:a16="http://schemas.microsoft.com/office/drawing/2014/main" id="{E81236FF-D369-F54D-4095-CF0457398229}"/>
-              </a:ext>
-            </a:extLst>
-          </p:cNvPr>
-          <p:cNvPicPr>
-            <a:picLocks noGrp="1" noChangeAspect="1"/>
-          </p:cNvPicPr>
-          <p:nvPr>
-            <p:ph idx="1"/>
-          </p:nvPr>
-        </p:nvPicPr>
-        <p:blipFill>
-          <a:blip r:embed="rId2"/>
-          <a:stretch>
-            <a:fillRect/>
-          </a:stretch>
-        </p:blipFill>
-        <p:spPr>
-          <a:xfrm>
-            <a:off x="3035300" y="2160588"/>
-            <a:ext cx="3881437" cy="3881437"/>
-          </a:xfrm>
-        </p:spPr>
-      </p:pic>
-      <p:pic>
-        <p:nvPicPr>
-          <p:cNvPr id="4" name="図 3">
-            <a:extLst>
-              <a:ext uri="{FF2B5EF4-FFF2-40B4-BE49-F238E27FC236}">
-                <a16:creationId xmlns:a16="http://schemas.microsoft.com/office/drawing/2014/main" id="{2B65059E-71BF-8FD6-5DEB-B0D40747CA25}"/>
-              </a:ext>
-            </a:extLst>
-          </p:cNvPr>
-          <p:cNvPicPr>
-            <a:picLocks noChangeAspect="1"/>
-          </p:cNvPicPr>
-          <p:nvPr/>
-        </p:nvPicPr>
-        <p:blipFill>
-          <a:blip r:embed="rId3"/>
-          <a:stretch>
-            <a:fillRect/>
-          </a:stretch>
-        </p:blipFill>
-        <p:spPr>
-          <a:xfrm>
-            <a:off x="3735008" y="1636989"/>
-            <a:ext cx="5400040" cy="2992755"/>
-          </a:xfrm>
-          <a:prstGeom prst="rect">
-            <a:avLst/>
-          </a:prstGeom>
-        </p:spPr>
-      </p:pic>
-    </p:spTree>
-    <p:extLst>
-      <p:ext uri="{BB962C8B-B14F-4D97-AF65-F5344CB8AC3E}">
-        <p14:creationId xmlns:p14="http://schemas.microsoft.com/office/powerpoint/2010/main" val="2220163503"/>
       </p:ext>
     </p:extLst>
   </p:cSld>

--- a/materials/team5_発表用資料.pptx
+++ b/materials/team5_発表用資料.pptx
@@ -4,6 +4,9 @@
   <p:sldMasterIdLst>
     <p:sldMasterId id="2147483677" r:id="rId1"/>
   </p:sldMasterIdLst>
+  <p:notesMasterIdLst>
+    <p:notesMasterId r:id="rId11"/>
+  </p:notesMasterIdLst>
   <p:sldIdLst>
     <p:sldId id="256" r:id="rId2"/>
     <p:sldId id="257" r:id="rId3"/>
@@ -14,7 +17,6 @@
     <p:sldId id="266" r:id="rId8"/>
     <p:sldId id="263" r:id="rId9"/>
     <p:sldId id="264" r:id="rId10"/>
-    <p:sldId id="265" r:id="rId11"/>
   </p:sldIdLst>
   <p:sldSz cx="12192000" cy="6858000"/>
   <p:notesSz cx="6858000" cy="9144000"/>
@@ -124,7 +126,7 @@
 <file path=ppt/revisionInfo.xml><?xml version="1.0" encoding="utf-8"?>
 <p1510:revInfo xmlns:a="http://schemas.openxmlformats.org/drawingml/2006/main" xmlns:r="http://schemas.openxmlformats.org/officeDocument/2006/relationships" xmlns:p1510="http://schemas.microsoft.com/office/powerpoint/2015/10/main">
   <p1510:revLst>
-    <p1510:client id="{07854C7A-B508-43DE-A526-4A6CCF78D840}" v="12" dt="2025-07-28T08:46:49.828"/>
+    <p1510:client id="{07854C7A-B508-43DE-A526-4A6CCF78D840}" v="20" dt="2025-08-05T13:35:26.540"/>
   </p1510:revLst>
 </p1510:revInfo>
 </file>
@@ -134,10 +136,25 @@
   <pc:docChgLst>
     <pc:chgData name="櫻子 井上" userId="b40aaa46c8b6fc92" providerId="LiveId" clId="{07854C7A-B508-43DE-A526-4A6CCF78D840}"/>
     <pc:docChg chg="undo custSel addSld delSld modSld">
-      <pc:chgData name="櫻子 井上" userId="b40aaa46c8b6fc92" providerId="LiveId" clId="{07854C7A-B508-43DE-A526-4A6CCF78D840}" dt="2025-07-28T08:48:12.554" v="281" actId="1076"/>
+      <pc:chgData name="櫻子 井上" userId="b40aaa46c8b6fc92" providerId="LiveId" clId="{07854C7A-B508-43DE-A526-4A6CCF78D840}" dt="2025-08-05T13:34:23.549" v="284" actId="22"/>
       <pc:docMkLst>
         <pc:docMk/>
       </pc:docMkLst>
+      <pc:sldChg chg="addSp delSp mod">
+        <pc:chgData name="櫻子 井上" userId="b40aaa46c8b6fc92" providerId="LiveId" clId="{07854C7A-B508-43DE-A526-4A6CCF78D840}" dt="2025-08-05T13:34:23.549" v="284" actId="22"/>
+        <pc:sldMkLst>
+          <pc:docMk/>
+          <pc:sldMk cId="499048883" sldId="256"/>
+        </pc:sldMkLst>
+        <pc:spChg chg="add del">
+          <ac:chgData name="櫻子 井上" userId="b40aaa46c8b6fc92" providerId="LiveId" clId="{07854C7A-B508-43DE-A526-4A6CCF78D840}" dt="2025-08-05T13:34:23.549" v="284" actId="22"/>
+          <ac:spMkLst>
+            <pc:docMk/>
+            <pc:sldMk cId="499048883" sldId="256"/>
+            <ac:spMk id="5" creationId="{636F4EF0-3F18-6883-AE39-C2D5C6C5C036}"/>
+          </ac:spMkLst>
+        </pc:spChg>
+      </pc:sldChg>
       <pc:sldChg chg="addSp delSp mod">
         <pc:chgData name="櫻子 井上" userId="b40aaa46c8b6fc92" providerId="LiveId" clId="{07854C7A-B508-43DE-A526-4A6CCF78D840}" dt="2025-07-24T09:59:13.695" v="2" actId="478"/>
         <pc:sldMkLst>
@@ -238,44 +255,12 @@
           </ac:picMkLst>
         </pc:picChg>
       </pc:sldChg>
-      <pc:sldChg chg="addSp delSp modSp mod modShow">
-        <pc:chgData name="櫻子 井上" userId="b40aaa46c8b6fc92" providerId="LiveId" clId="{07854C7A-B508-43DE-A526-4A6CCF78D840}" dt="2025-07-28T08:47:09.852" v="258" actId="478"/>
+      <pc:sldChg chg="addSp delSp modSp del mod modShow">
+        <pc:chgData name="櫻子 井上" userId="b40aaa46c8b6fc92" providerId="LiveId" clId="{07854C7A-B508-43DE-A526-4A6CCF78D840}" dt="2025-08-05T13:33:50.241" v="282" actId="47"/>
         <pc:sldMkLst>
           <pc:docMk/>
           <pc:sldMk cId="2220163503" sldId="265"/>
         </pc:sldMkLst>
-        <pc:spChg chg="del">
-          <ac:chgData name="櫻子 井上" userId="b40aaa46c8b6fc92" providerId="LiveId" clId="{07854C7A-B508-43DE-A526-4A6CCF78D840}" dt="2025-07-28T08:46:40.358" v="251"/>
-          <ac:spMkLst>
-            <pc:docMk/>
-            <pc:sldMk cId="2220163503" sldId="265"/>
-            <ac:spMk id="3" creationId="{33151BAC-C294-DC19-049B-94C52C73212A}"/>
-          </ac:spMkLst>
-        </pc:spChg>
-        <pc:picChg chg="add del mod">
-          <ac:chgData name="櫻子 井上" userId="b40aaa46c8b6fc92" providerId="LiveId" clId="{07854C7A-B508-43DE-A526-4A6CCF78D840}" dt="2025-07-28T08:47:09.852" v="258" actId="478"/>
-          <ac:picMkLst>
-            <pc:docMk/>
-            <pc:sldMk cId="2220163503" sldId="265"/>
-            <ac:picMk id="6" creationId="{61569EAF-9BD5-0138-AE32-7EAFD9B5BC11}"/>
-          </ac:picMkLst>
-        </pc:picChg>
-        <pc:picChg chg="add mod">
-          <ac:chgData name="櫻子 井上" userId="b40aaa46c8b6fc92" providerId="LiveId" clId="{07854C7A-B508-43DE-A526-4A6CCF78D840}" dt="2025-07-28T08:46:40.358" v="251"/>
-          <ac:picMkLst>
-            <pc:docMk/>
-            <pc:sldMk cId="2220163503" sldId="265"/>
-            <ac:picMk id="8" creationId="{E81236FF-D369-F54D-4095-CF0457398229}"/>
-          </ac:picMkLst>
-        </pc:picChg>
-        <pc:picChg chg="add del mod">
-          <ac:chgData name="櫻子 井上" userId="b40aaa46c8b6fc92" providerId="LiveId" clId="{07854C7A-B508-43DE-A526-4A6CCF78D840}" dt="2025-07-28T08:47:04.042" v="256" actId="478"/>
-          <ac:picMkLst>
-            <pc:docMk/>
-            <pc:sldMk cId="2220163503" sldId="265"/>
-            <ac:picMk id="10" creationId="{744A301A-18EF-BB45-FE2C-58564CDB9A57}"/>
-          </ac:picMkLst>
-        </pc:picChg>
       </pc:sldChg>
       <pc:sldChg chg="addSp delSp modSp add mod">
         <pc:chgData name="櫻子 井上" userId="b40aaa46c8b6fc92" providerId="LiveId" clId="{07854C7A-B508-43DE-A526-4A6CCF78D840}" dt="2025-07-28T08:37:46.178" v="177" actId="20577"/>
@@ -319,6 +304,1385 @@
     </pc:docChg>
   </pc:docChgLst>
 </pc:chgInfo>
+</file>
+
+<file path=ppt/notesMasters/notesMaster1.xml><?xml version="1.0" encoding="utf-8"?>
+<p:notesMaster xmlns:a="http://schemas.openxmlformats.org/drawingml/2006/main" xmlns:r="http://schemas.openxmlformats.org/officeDocument/2006/relationships" xmlns:p="http://schemas.openxmlformats.org/presentationml/2006/main">
+  <p:cSld>
+    <p:bg>
+      <p:bgRef idx="1001">
+        <a:schemeClr val="bg1"/>
+      </p:bgRef>
+    </p:bg>
+    <p:spTree>
+      <p:nvGrpSpPr>
+        <p:cNvPr id="1" name=""/>
+        <p:cNvGrpSpPr/>
+        <p:nvPr/>
+      </p:nvGrpSpPr>
+      <p:grpSpPr>
+        <a:xfrm>
+          <a:off x="0" y="0"/>
+          <a:ext cx="0" cy="0"/>
+          <a:chOff x="0" y="0"/>
+          <a:chExt cx="0" cy="0"/>
+        </a:xfrm>
+      </p:grpSpPr>
+      <p:sp>
+        <p:nvSpPr>
+          <p:cNvPr id="2" name="ヘッダー プレースホルダー 1"/>
+          <p:cNvSpPr>
+            <a:spLocks noGrp="1"/>
+          </p:cNvSpPr>
+          <p:nvPr>
+            <p:ph type="hdr" sz="quarter"/>
+          </p:nvPr>
+        </p:nvSpPr>
+        <p:spPr>
+          <a:xfrm>
+            <a:off x="0" y="0"/>
+            <a:ext cx="2971800" cy="458788"/>
+          </a:xfrm>
+          <a:prstGeom prst="rect">
+            <a:avLst/>
+          </a:prstGeom>
+        </p:spPr>
+        <p:txBody>
+          <a:bodyPr vert="horz" lIns="91440" tIns="45720" rIns="91440" bIns="45720" rtlCol="0"/>
+          <a:lstStyle>
+            <a:lvl1pPr algn="l">
+              <a:defRPr sz="1200"/>
+            </a:lvl1pPr>
+          </a:lstStyle>
+          <a:p>
+            <a:endParaRPr kumimoji="1" lang="ja-JP" altLang="en-US"/>
+          </a:p>
+        </p:txBody>
+      </p:sp>
+      <p:sp>
+        <p:nvSpPr>
+          <p:cNvPr id="3" name="日付プレースホルダー 2"/>
+          <p:cNvSpPr>
+            <a:spLocks noGrp="1"/>
+          </p:cNvSpPr>
+          <p:nvPr>
+            <p:ph type="dt" idx="1"/>
+          </p:nvPr>
+        </p:nvSpPr>
+        <p:spPr>
+          <a:xfrm>
+            <a:off x="3884613" y="0"/>
+            <a:ext cx="2971800" cy="458788"/>
+          </a:xfrm>
+          <a:prstGeom prst="rect">
+            <a:avLst/>
+          </a:prstGeom>
+        </p:spPr>
+        <p:txBody>
+          <a:bodyPr vert="horz" lIns="91440" tIns="45720" rIns="91440" bIns="45720" rtlCol="0"/>
+          <a:lstStyle>
+            <a:lvl1pPr algn="r">
+              <a:defRPr sz="1200"/>
+            </a:lvl1pPr>
+          </a:lstStyle>
+          <a:p>
+            <a:fld id="{8BD5E46D-8458-40B0-88A4-EC5BF16C2F75}" type="datetimeFigureOut">
+              <a:rPr kumimoji="1" lang="ja-JP" altLang="en-US" smtClean="0"/>
+              <a:t>2025/8/5</a:t>
+            </a:fld>
+            <a:endParaRPr kumimoji="1" lang="ja-JP" altLang="en-US"/>
+          </a:p>
+        </p:txBody>
+      </p:sp>
+      <p:sp>
+        <p:nvSpPr>
+          <p:cNvPr id="4" name="スライド イメージ プレースホルダー 3"/>
+          <p:cNvSpPr>
+            <a:spLocks noGrp="1" noRot="1" noChangeAspect="1"/>
+          </p:cNvSpPr>
+          <p:nvPr>
+            <p:ph type="sldImg" idx="2"/>
+          </p:nvPr>
+        </p:nvSpPr>
+        <p:spPr>
+          <a:xfrm>
+            <a:off x="685800" y="1143000"/>
+            <a:ext cx="5486400" cy="3086100"/>
+          </a:xfrm>
+          <a:prstGeom prst="rect">
+            <a:avLst/>
+          </a:prstGeom>
+          <a:noFill/>
+          <a:ln w="12700">
+            <a:solidFill>
+              <a:prstClr val="black"/>
+            </a:solidFill>
+          </a:ln>
+        </p:spPr>
+        <p:txBody>
+          <a:bodyPr vert="horz" lIns="91440" tIns="45720" rIns="91440" bIns="45720" rtlCol="0" anchor="ctr"/>
+          <a:lstStyle/>
+          <a:p>
+            <a:endParaRPr lang="ja-JP" altLang="en-US"/>
+          </a:p>
+        </p:txBody>
+      </p:sp>
+      <p:sp>
+        <p:nvSpPr>
+          <p:cNvPr id="5" name="ノート プレースホルダー 4"/>
+          <p:cNvSpPr>
+            <a:spLocks noGrp="1"/>
+          </p:cNvSpPr>
+          <p:nvPr>
+            <p:ph type="body" sz="quarter" idx="3"/>
+          </p:nvPr>
+        </p:nvSpPr>
+        <p:spPr>
+          <a:xfrm>
+            <a:off x="685800" y="4400550"/>
+            <a:ext cx="5486400" cy="3600450"/>
+          </a:xfrm>
+          <a:prstGeom prst="rect">
+            <a:avLst/>
+          </a:prstGeom>
+        </p:spPr>
+        <p:txBody>
+          <a:bodyPr vert="horz" lIns="91440" tIns="45720" rIns="91440" bIns="45720" rtlCol="0"/>
+          <a:lstStyle/>
+          <a:p>
+            <a:pPr lvl="0"/>
+            <a:r>
+              <a:rPr kumimoji="1" lang="ja-JP" altLang="en-US"/>
+              <a:t>マスター テキストの書式設定</a:t>
+            </a:r>
+          </a:p>
+          <a:p>
+            <a:pPr lvl="1"/>
+            <a:r>
+              <a:rPr kumimoji="1" lang="ja-JP" altLang="en-US"/>
+              <a:t>第 </a:t>
+            </a:r>
+            <a:r>
+              <a:rPr kumimoji="1" lang="en-US" altLang="ja-JP"/>
+              <a:t>2 </a:t>
+            </a:r>
+            <a:r>
+              <a:rPr kumimoji="1" lang="ja-JP" altLang="en-US"/>
+              <a:t>レベル</a:t>
+            </a:r>
+          </a:p>
+          <a:p>
+            <a:pPr lvl="2"/>
+            <a:r>
+              <a:rPr kumimoji="1" lang="ja-JP" altLang="en-US"/>
+              <a:t>第 </a:t>
+            </a:r>
+            <a:r>
+              <a:rPr kumimoji="1" lang="en-US" altLang="ja-JP"/>
+              <a:t>3 </a:t>
+            </a:r>
+            <a:r>
+              <a:rPr kumimoji="1" lang="ja-JP" altLang="en-US"/>
+              <a:t>レベル</a:t>
+            </a:r>
+          </a:p>
+          <a:p>
+            <a:pPr lvl="3"/>
+            <a:r>
+              <a:rPr kumimoji="1" lang="ja-JP" altLang="en-US"/>
+              <a:t>第 </a:t>
+            </a:r>
+            <a:r>
+              <a:rPr kumimoji="1" lang="en-US" altLang="ja-JP"/>
+              <a:t>4 </a:t>
+            </a:r>
+            <a:r>
+              <a:rPr kumimoji="1" lang="ja-JP" altLang="en-US"/>
+              <a:t>レベル</a:t>
+            </a:r>
+          </a:p>
+          <a:p>
+            <a:pPr lvl="4"/>
+            <a:r>
+              <a:rPr kumimoji="1" lang="ja-JP" altLang="en-US"/>
+              <a:t>第 </a:t>
+            </a:r>
+            <a:r>
+              <a:rPr kumimoji="1" lang="en-US" altLang="ja-JP"/>
+              <a:t>5 </a:t>
+            </a:r>
+            <a:r>
+              <a:rPr kumimoji="1" lang="ja-JP" altLang="en-US"/>
+              <a:t>レベル</a:t>
+            </a:r>
+          </a:p>
+        </p:txBody>
+      </p:sp>
+      <p:sp>
+        <p:nvSpPr>
+          <p:cNvPr id="6" name="フッター プレースホルダー 5"/>
+          <p:cNvSpPr>
+            <a:spLocks noGrp="1"/>
+          </p:cNvSpPr>
+          <p:nvPr>
+            <p:ph type="ftr" sz="quarter" idx="4"/>
+          </p:nvPr>
+        </p:nvSpPr>
+        <p:spPr>
+          <a:xfrm>
+            <a:off x="0" y="8685213"/>
+            <a:ext cx="2971800" cy="458787"/>
+          </a:xfrm>
+          <a:prstGeom prst="rect">
+            <a:avLst/>
+          </a:prstGeom>
+        </p:spPr>
+        <p:txBody>
+          <a:bodyPr vert="horz" lIns="91440" tIns="45720" rIns="91440" bIns="45720" rtlCol="0" anchor="b"/>
+          <a:lstStyle>
+            <a:lvl1pPr algn="l">
+              <a:defRPr sz="1200"/>
+            </a:lvl1pPr>
+          </a:lstStyle>
+          <a:p>
+            <a:endParaRPr kumimoji="1" lang="ja-JP" altLang="en-US"/>
+          </a:p>
+        </p:txBody>
+      </p:sp>
+      <p:sp>
+        <p:nvSpPr>
+          <p:cNvPr id="7" name="スライド番号プレースホルダー 6"/>
+          <p:cNvSpPr>
+            <a:spLocks noGrp="1"/>
+          </p:cNvSpPr>
+          <p:nvPr>
+            <p:ph type="sldNum" sz="quarter" idx="5"/>
+          </p:nvPr>
+        </p:nvSpPr>
+        <p:spPr>
+          <a:xfrm>
+            <a:off x="3884613" y="8685213"/>
+            <a:ext cx="2971800" cy="458787"/>
+          </a:xfrm>
+          <a:prstGeom prst="rect">
+            <a:avLst/>
+          </a:prstGeom>
+        </p:spPr>
+        <p:txBody>
+          <a:bodyPr vert="horz" lIns="91440" tIns="45720" rIns="91440" bIns="45720" rtlCol="0" anchor="b"/>
+          <a:lstStyle>
+            <a:lvl1pPr algn="r">
+              <a:defRPr sz="1200"/>
+            </a:lvl1pPr>
+          </a:lstStyle>
+          <a:p>
+            <a:fld id="{06EA2465-E7C7-4F1E-8C50-D20E735A8D73}" type="slidenum">
+              <a:rPr kumimoji="1" lang="ja-JP" altLang="en-US" smtClean="0"/>
+              <a:t>‹#›</a:t>
+            </a:fld>
+            <a:endParaRPr kumimoji="1" lang="ja-JP" altLang="en-US"/>
+          </a:p>
+        </p:txBody>
+      </p:sp>
+    </p:spTree>
+    <p:extLst>
+      <p:ext uri="{BB962C8B-B14F-4D97-AF65-F5344CB8AC3E}">
+        <p14:creationId xmlns:p14="http://schemas.microsoft.com/office/powerpoint/2010/main" val="3765380770"/>
+      </p:ext>
+    </p:extLst>
+  </p:cSld>
+  <p:clrMap bg1="lt1" tx1="dk1" bg2="lt2" tx2="dk2" accent1="accent1" accent2="accent2" accent3="accent3" accent4="accent4" accent5="accent5" accent6="accent6" hlink="hlink" folHlink="folHlink"/>
+  <p:notesStyle>
+    <a:lvl1pPr marL="0" algn="l" defTabSz="914400" rtl="0" eaLnBrk="1" latinLnBrk="0" hangingPunct="1">
+      <a:defRPr kumimoji="1" sz="1200" kern="1200">
+        <a:solidFill>
+          <a:schemeClr val="tx1"/>
+        </a:solidFill>
+        <a:latin typeface="+mn-lt"/>
+        <a:ea typeface="+mn-ea"/>
+        <a:cs typeface="+mn-cs"/>
+      </a:defRPr>
+    </a:lvl1pPr>
+    <a:lvl2pPr marL="457200" algn="l" defTabSz="914400" rtl="0" eaLnBrk="1" latinLnBrk="0" hangingPunct="1">
+      <a:defRPr kumimoji="1" sz="1200" kern="1200">
+        <a:solidFill>
+          <a:schemeClr val="tx1"/>
+        </a:solidFill>
+        <a:latin typeface="+mn-lt"/>
+        <a:ea typeface="+mn-ea"/>
+        <a:cs typeface="+mn-cs"/>
+      </a:defRPr>
+    </a:lvl2pPr>
+    <a:lvl3pPr marL="914400" algn="l" defTabSz="914400" rtl="0" eaLnBrk="1" latinLnBrk="0" hangingPunct="1">
+      <a:defRPr kumimoji="1" sz="1200" kern="1200">
+        <a:solidFill>
+          <a:schemeClr val="tx1"/>
+        </a:solidFill>
+        <a:latin typeface="+mn-lt"/>
+        <a:ea typeface="+mn-ea"/>
+        <a:cs typeface="+mn-cs"/>
+      </a:defRPr>
+    </a:lvl3pPr>
+    <a:lvl4pPr marL="1371600" algn="l" defTabSz="914400" rtl="0" eaLnBrk="1" latinLnBrk="0" hangingPunct="1">
+      <a:defRPr kumimoji="1" sz="1200" kern="1200">
+        <a:solidFill>
+          <a:schemeClr val="tx1"/>
+        </a:solidFill>
+        <a:latin typeface="+mn-lt"/>
+        <a:ea typeface="+mn-ea"/>
+        <a:cs typeface="+mn-cs"/>
+      </a:defRPr>
+    </a:lvl4pPr>
+    <a:lvl5pPr marL="1828800" algn="l" defTabSz="914400" rtl="0" eaLnBrk="1" latinLnBrk="0" hangingPunct="1">
+      <a:defRPr kumimoji="1" sz="1200" kern="1200">
+        <a:solidFill>
+          <a:schemeClr val="tx1"/>
+        </a:solidFill>
+        <a:latin typeface="+mn-lt"/>
+        <a:ea typeface="+mn-ea"/>
+        <a:cs typeface="+mn-cs"/>
+      </a:defRPr>
+    </a:lvl5pPr>
+    <a:lvl6pPr marL="2286000" algn="l" defTabSz="914400" rtl="0" eaLnBrk="1" latinLnBrk="0" hangingPunct="1">
+      <a:defRPr kumimoji="1" sz="1200" kern="1200">
+        <a:solidFill>
+          <a:schemeClr val="tx1"/>
+        </a:solidFill>
+        <a:latin typeface="+mn-lt"/>
+        <a:ea typeface="+mn-ea"/>
+        <a:cs typeface="+mn-cs"/>
+      </a:defRPr>
+    </a:lvl6pPr>
+    <a:lvl7pPr marL="2743200" algn="l" defTabSz="914400" rtl="0" eaLnBrk="1" latinLnBrk="0" hangingPunct="1">
+      <a:defRPr kumimoji="1" sz="1200" kern="1200">
+        <a:solidFill>
+          <a:schemeClr val="tx1"/>
+        </a:solidFill>
+        <a:latin typeface="+mn-lt"/>
+        <a:ea typeface="+mn-ea"/>
+        <a:cs typeface="+mn-cs"/>
+      </a:defRPr>
+    </a:lvl7pPr>
+    <a:lvl8pPr marL="3200400" algn="l" defTabSz="914400" rtl="0" eaLnBrk="1" latinLnBrk="0" hangingPunct="1">
+      <a:defRPr kumimoji="1" sz="1200" kern="1200">
+        <a:solidFill>
+          <a:schemeClr val="tx1"/>
+        </a:solidFill>
+        <a:latin typeface="+mn-lt"/>
+        <a:ea typeface="+mn-ea"/>
+        <a:cs typeface="+mn-cs"/>
+      </a:defRPr>
+    </a:lvl8pPr>
+    <a:lvl9pPr marL="3657600" algn="l" defTabSz="914400" rtl="0" eaLnBrk="1" latinLnBrk="0" hangingPunct="1">
+      <a:defRPr kumimoji="1" sz="1200" kern="1200">
+        <a:solidFill>
+          <a:schemeClr val="tx1"/>
+        </a:solidFill>
+        <a:latin typeface="+mn-lt"/>
+        <a:ea typeface="+mn-ea"/>
+        <a:cs typeface="+mn-cs"/>
+      </a:defRPr>
+    </a:lvl9pPr>
+  </p:notesStyle>
+</p:notesMaster>
+</file>
+
+<file path=ppt/notesSlides/notesSlide1.xml><?xml version="1.0" encoding="utf-8"?>
+<p:notes xmlns:a="http://schemas.openxmlformats.org/drawingml/2006/main" xmlns:r="http://schemas.openxmlformats.org/officeDocument/2006/relationships" xmlns:p="http://schemas.openxmlformats.org/presentationml/2006/main">
+  <p:cSld>
+    <p:spTree>
+      <p:nvGrpSpPr>
+        <p:cNvPr id="1" name=""/>
+        <p:cNvGrpSpPr/>
+        <p:nvPr/>
+      </p:nvGrpSpPr>
+      <p:grpSpPr>
+        <a:xfrm>
+          <a:off x="0" y="0"/>
+          <a:ext cx="0" cy="0"/>
+          <a:chOff x="0" y="0"/>
+          <a:chExt cx="0" cy="0"/>
+        </a:xfrm>
+      </p:grpSpPr>
+      <p:sp>
+        <p:nvSpPr>
+          <p:cNvPr id="2" name="スライド イメージ プレースホルダー 1"/>
+          <p:cNvSpPr>
+            <a:spLocks noGrp="1" noRot="1" noChangeAspect="1"/>
+          </p:cNvSpPr>
+          <p:nvPr>
+            <p:ph type="sldImg"/>
+          </p:nvPr>
+        </p:nvSpPr>
+        <p:spPr/>
+      </p:sp>
+      <p:sp>
+        <p:nvSpPr>
+          <p:cNvPr id="3" name="ノート プレースホルダー 2"/>
+          <p:cNvSpPr>
+            <a:spLocks noGrp="1"/>
+          </p:cNvSpPr>
+          <p:nvPr>
+            <p:ph type="body" idx="1"/>
+          </p:nvPr>
+        </p:nvSpPr>
+        <p:spPr/>
+        <p:txBody>
+          <a:bodyPr/>
+          <a:lstStyle/>
+          <a:p>
+            <a:r>
+              <a:rPr kumimoji="1" lang="ja-JP" altLang="en-US" dirty="0"/>
+              <a:t>これからチーム</a:t>
+            </a:r>
+            <a:r>
+              <a:rPr kumimoji="1" lang="en-US" altLang="ja-JP" dirty="0"/>
+              <a:t>5</a:t>
+            </a:r>
+            <a:r>
+              <a:rPr kumimoji="1" lang="ja-JP" altLang="en-US" dirty="0"/>
+              <a:t>班の発表を始めさせていただきます。よろしくお願いいたします。</a:t>
+            </a:r>
+            <a:endParaRPr kumimoji="1" lang="en-US" altLang="ja-JP" dirty="0"/>
+          </a:p>
+          <a:p>
+            <a:r>
+              <a:rPr kumimoji="1" lang="ja-JP" altLang="en-US" dirty="0"/>
+              <a:t>私たち</a:t>
+            </a:r>
+            <a:r>
+              <a:rPr kumimoji="1" lang="en-US" altLang="ja-JP" dirty="0"/>
+              <a:t>5</a:t>
+            </a:r>
+            <a:r>
+              <a:rPr kumimoji="1" lang="ja-JP" altLang="en-US" dirty="0"/>
+              <a:t>班が今回作成したのは、パズルゲームです！</a:t>
+            </a:r>
+            <a:endParaRPr kumimoji="1" lang="en-US" altLang="ja-JP" dirty="0"/>
+          </a:p>
+          <a:p>
+            <a:endParaRPr kumimoji="1" lang="ja-JP" altLang="en-US" dirty="0"/>
+          </a:p>
+        </p:txBody>
+      </p:sp>
+      <p:sp>
+        <p:nvSpPr>
+          <p:cNvPr id="4" name="スライド番号プレースホルダー 3"/>
+          <p:cNvSpPr>
+            <a:spLocks noGrp="1"/>
+          </p:cNvSpPr>
+          <p:nvPr>
+            <p:ph type="sldNum" sz="quarter" idx="5"/>
+          </p:nvPr>
+        </p:nvSpPr>
+        <p:spPr/>
+        <p:txBody>
+          <a:bodyPr/>
+          <a:lstStyle/>
+          <a:p>
+            <a:fld id="{06EA2465-E7C7-4F1E-8C50-D20E735A8D73}" type="slidenum">
+              <a:rPr kumimoji="1" lang="ja-JP" altLang="en-US" smtClean="0"/>
+              <a:t>1</a:t>
+            </a:fld>
+            <a:endParaRPr kumimoji="1" lang="ja-JP" altLang="en-US"/>
+          </a:p>
+        </p:txBody>
+      </p:sp>
+    </p:spTree>
+    <p:extLst>
+      <p:ext uri="{BB962C8B-B14F-4D97-AF65-F5344CB8AC3E}">
+        <p14:creationId xmlns:p14="http://schemas.microsoft.com/office/powerpoint/2010/main" val="1871286001"/>
+      </p:ext>
+    </p:extLst>
+  </p:cSld>
+  <p:clrMapOvr>
+    <a:masterClrMapping/>
+  </p:clrMapOvr>
+</p:notes>
+</file>
+
+<file path=ppt/notesSlides/notesSlide2.xml><?xml version="1.0" encoding="utf-8"?>
+<p:notes xmlns:a="http://schemas.openxmlformats.org/drawingml/2006/main" xmlns:r="http://schemas.openxmlformats.org/officeDocument/2006/relationships" xmlns:p="http://schemas.openxmlformats.org/presentationml/2006/main">
+  <p:cSld>
+    <p:spTree>
+      <p:nvGrpSpPr>
+        <p:cNvPr id="1" name=""/>
+        <p:cNvGrpSpPr/>
+        <p:nvPr/>
+      </p:nvGrpSpPr>
+      <p:grpSpPr>
+        <a:xfrm>
+          <a:off x="0" y="0"/>
+          <a:ext cx="0" cy="0"/>
+          <a:chOff x="0" y="0"/>
+          <a:chExt cx="0" cy="0"/>
+        </a:xfrm>
+      </p:grpSpPr>
+      <p:sp>
+        <p:nvSpPr>
+          <p:cNvPr id="2" name="スライド イメージ プレースホルダー 1"/>
+          <p:cNvSpPr>
+            <a:spLocks noGrp="1" noRot="1" noChangeAspect="1"/>
+          </p:cNvSpPr>
+          <p:nvPr>
+            <p:ph type="sldImg"/>
+          </p:nvPr>
+        </p:nvSpPr>
+        <p:spPr/>
+      </p:sp>
+      <p:sp>
+        <p:nvSpPr>
+          <p:cNvPr id="3" name="ノート プレースホルダー 2"/>
+          <p:cNvSpPr>
+            <a:spLocks noGrp="1"/>
+          </p:cNvSpPr>
+          <p:nvPr>
+            <p:ph type="body" idx="1"/>
+          </p:nvPr>
+        </p:nvSpPr>
+        <p:spPr/>
+        <p:txBody>
+          <a:bodyPr/>
+          <a:lstStyle/>
+          <a:p>
+            <a:pPr marL="0" marR="0" lvl="0" indent="0" algn="l" defTabSz="914400" rtl="0" eaLnBrk="1" fontAlgn="auto" latinLnBrk="0" hangingPunct="1">
+              <a:lnSpc>
+                <a:spcPct val="100000"/>
+              </a:lnSpc>
+              <a:spcBef>
+                <a:spcPts val="0"/>
+              </a:spcBef>
+              <a:spcAft>
+                <a:spcPts val="0"/>
+              </a:spcAft>
+              <a:buClrTx/>
+              <a:buSzTx/>
+              <a:buFontTx/>
+              <a:buNone/>
+              <a:tabLst/>
+              <a:defRPr/>
+            </a:pPr>
+            <a:r>
+              <a:rPr kumimoji="1" lang="ja-JP" altLang="en-US" dirty="0"/>
+              <a:t>ざっくりとアプリの概要をご説明したのち、操作方法、実践！！という流れで進めて参ります。</a:t>
+            </a:r>
+          </a:p>
+          <a:p>
+            <a:endParaRPr kumimoji="1" lang="ja-JP" altLang="en-US" dirty="0"/>
+          </a:p>
+        </p:txBody>
+      </p:sp>
+      <p:sp>
+        <p:nvSpPr>
+          <p:cNvPr id="4" name="スライド番号プレースホルダー 3"/>
+          <p:cNvSpPr>
+            <a:spLocks noGrp="1"/>
+          </p:cNvSpPr>
+          <p:nvPr>
+            <p:ph type="sldNum" sz="quarter" idx="5"/>
+          </p:nvPr>
+        </p:nvSpPr>
+        <p:spPr/>
+        <p:txBody>
+          <a:bodyPr/>
+          <a:lstStyle/>
+          <a:p>
+            <a:fld id="{06EA2465-E7C7-4F1E-8C50-D20E735A8D73}" type="slidenum">
+              <a:rPr kumimoji="1" lang="ja-JP" altLang="en-US" smtClean="0"/>
+              <a:t>2</a:t>
+            </a:fld>
+            <a:endParaRPr kumimoji="1" lang="ja-JP" altLang="en-US"/>
+          </a:p>
+        </p:txBody>
+      </p:sp>
+    </p:spTree>
+    <p:extLst>
+      <p:ext uri="{BB962C8B-B14F-4D97-AF65-F5344CB8AC3E}">
+        <p14:creationId xmlns:p14="http://schemas.microsoft.com/office/powerpoint/2010/main" val="2483132110"/>
+      </p:ext>
+    </p:extLst>
+  </p:cSld>
+  <p:clrMapOvr>
+    <a:masterClrMapping/>
+  </p:clrMapOvr>
+</p:notes>
+</file>
+
+<file path=ppt/notesSlides/notesSlide3.xml><?xml version="1.0" encoding="utf-8"?>
+<p:notes xmlns:a="http://schemas.openxmlformats.org/drawingml/2006/main" xmlns:r="http://schemas.openxmlformats.org/officeDocument/2006/relationships" xmlns:p="http://schemas.openxmlformats.org/presentationml/2006/main">
+  <p:cSld>
+    <p:spTree>
+      <p:nvGrpSpPr>
+        <p:cNvPr id="1" name=""/>
+        <p:cNvGrpSpPr/>
+        <p:nvPr/>
+      </p:nvGrpSpPr>
+      <p:grpSpPr>
+        <a:xfrm>
+          <a:off x="0" y="0"/>
+          <a:ext cx="0" cy="0"/>
+          <a:chOff x="0" y="0"/>
+          <a:chExt cx="0" cy="0"/>
+        </a:xfrm>
+      </p:grpSpPr>
+      <p:sp>
+        <p:nvSpPr>
+          <p:cNvPr id="2" name="スライド イメージ プレースホルダー 1"/>
+          <p:cNvSpPr>
+            <a:spLocks noGrp="1" noRot="1" noChangeAspect="1"/>
+          </p:cNvSpPr>
+          <p:nvPr>
+            <p:ph type="sldImg"/>
+          </p:nvPr>
+        </p:nvSpPr>
+        <p:spPr/>
+      </p:sp>
+      <p:sp>
+        <p:nvSpPr>
+          <p:cNvPr id="3" name="ノート プレースホルダー 2"/>
+          <p:cNvSpPr>
+            <a:spLocks noGrp="1"/>
+          </p:cNvSpPr>
+          <p:nvPr>
+            <p:ph type="body" idx="1"/>
+          </p:nvPr>
+        </p:nvSpPr>
+        <p:spPr/>
+        <p:txBody>
+          <a:bodyPr/>
+          <a:lstStyle/>
+          <a:p>
+            <a:r>
+              <a:rPr kumimoji="1" lang="ja-JP" altLang="en-US" dirty="0"/>
+              <a:t>まずはアプリの内容をざっくりとご説明いたします。</a:t>
+            </a:r>
+            <a:endParaRPr kumimoji="1" lang="en-US" altLang="ja-JP" dirty="0"/>
+          </a:p>
+          <a:p>
+            <a:r>
+              <a:rPr kumimoji="1" lang="ja-JP" altLang="en-US" dirty="0"/>
+              <a:t>形式としては、対戦型のパズルゲームです。パズルを</a:t>
+            </a:r>
+            <a:r>
+              <a:rPr kumimoji="1" lang="en-US" altLang="ja-JP" dirty="0"/>
+              <a:t>2</a:t>
+            </a:r>
+            <a:r>
+              <a:rPr kumimoji="1" lang="ja-JP" altLang="en-US" dirty="0"/>
+              <a:t>つ選択して入れ替え、横または縦に同じ色のパズルを</a:t>
+            </a:r>
+            <a:r>
+              <a:rPr kumimoji="1" lang="en-US" altLang="ja-JP" dirty="0"/>
+              <a:t>3</a:t>
+            </a:r>
+            <a:r>
+              <a:rPr kumimoji="1" lang="ja-JP" altLang="en-US" dirty="0"/>
+              <a:t>つ以上並べると消すことができます。</a:t>
+            </a:r>
+            <a:endParaRPr kumimoji="1" lang="en-US" altLang="ja-JP" dirty="0"/>
+          </a:p>
+          <a:p>
+            <a:r>
+              <a:rPr kumimoji="1" lang="ja-JP" altLang="en-US" dirty="0"/>
+              <a:t>そして、敵の</a:t>
+            </a:r>
+            <a:r>
+              <a:rPr kumimoji="1" lang="en-US" altLang="ja-JP" dirty="0"/>
+              <a:t>HP</a:t>
+            </a:r>
+            <a:r>
+              <a:rPr kumimoji="1" lang="ja-JP" altLang="en-US" dirty="0"/>
+              <a:t>が先になくなると次のステージへまたはゲームをやめる、自分の</a:t>
+            </a:r>
+            <a:r>
+              <a:rPr kumimoji="1" lang="en-US" altLang="ja-JP" dirty="0"/>
+              <a:t>HP</a:t>
+            </a:r>
+            <a:r>
+              <a:rPr kumimoji="1" lang="ja-JP" altLang="en-US" dirty="0"/>
+              <a:t>が先になくなると同じステージをもう一度実施またはゲームをやめるという選択ができます。</a:t>
+            </a:r>
+            <a:endParaRPr kumimoji="1" lang="en-US" altLang="ja-JP" dirty="0"/>
+          </a:p>
+          <a:p>
+            <a:r>
+              <a:rPr kumimoji="1" lang="ja-JP" altLang="en-US" dirty="0"/>
+              <a:t>敵キャラはレベル別に全部で</a:t>
+            </a:r>
+            <a:r>
+              <a:rPr kumimoji="1" lang="en-US" altLang="ja-JP" dirty="0"/>
+              <a:t>6</a:t>
+            </a:r>
+            <a:r>
+              <a:rPr kumimoji="1" lang="ja-JP" altLang="en-US" dirty="0"/>
+              <a:t>種類です！</a:t>
+            </a:r>
+          </a:p>
+          <a:p>
+            <a:endParaRPr kumimoji="1" lang="ja-JP" altLang="en-US" dirty="0"/>
+          </a:p>
+        </p:txBody>
+      </p:sp>
+      <p:sp>
+        <p:nvSpPr>
+          <p:cNvPr id="4" name="スライド番号プレースホルダー 3"/>
+          <p:cNvSpPr>
+            <a:spLocks noGrp="1"/>
+          </p:cNvSpPr>
+          <p:nvPr>
+            <p:ph type="sldNum" sz="quarter" idx="5"/>
+          </p:nvPr>
+        </p:nvSpPr>
+        <p:spPr/>
+        <p:txBody>
+          <a:bodyPr/>
+          <a:lstStyle/>
+          <a:p>
+            <a:fld id="{06EA2465-E7C7-4F1E-8C50-D20E735A8D73}" type="slidenum">
+              <a:rPr kumimoji="1" lang="ja-JP" altLang="en-US" smtClean="0"/>
+              <a:t>3</a:t>
+            </a:fld>
+            <a:endParaRPr kumimoji="1" lang="ja-JP" altLang="en-US"/>
+          </a:p>
+        </p:txBody>
+      </p:sp>
+    </p:spTree>
+    <p:extLst>
+      <p:ext uri="{BB962C8B-B14F-4D97-AF65-F5344CB8AC3E}">
+        <p14:creationId xmlns:p14="http://schemas.microsoft.com/office/powerpoint/2010/main" val="1477903587"/>
+      </p:ext>
+    </p:extLst>
+  </p:cSld>
+  <p:clrMapOvr>
+    <a:masterClrMapping/>
+  </p:clrMapOvr>
+</p:notes>
+</file>
+
+<file path=ppt/notesSlides/notesSlide4.xml><?xml version="1.0" encoding="utf-8"?>
+<p:notes xmlns:a="http://schemas.openxmlformats.org/drawingml/2006/main" xmlns:r="http://schemas.openxmlformats.org/officeDocument/2006/relationships" xmlns:p="http://schemas.openxmlformats.org/presentationml/2006/main">
+  <p:cSld>
+    <p:spTree>
+      <p:nvGrpSpPr>
+        <p:cNvPr id="1" name=""/>
+        <p:cNvGrpSpPr/>
+        <p:nvPr/>
+      </p:nvGrpSpPr>
+      <p:grpSpPr>
+        <a:xfrm>
+          <a:off x="0" y="0"/>
+          <a:ext cx="0" cy="0"/>
+          <a:chOff x="0" y="0"/>
+          <a:chExt cx="0" cy="0"/>
+        </a:xfrm>
+      </p:grpSpPr>
+      <p:sp>
+        <p:nvSpPr>
+          <p:cNvPr id="2" name="スライド イメージ プレースホルダー 1"/>
+          <p:cNvSpPr>
+            <a:spLocks noGrp="1" noRot="1" noChangeAspect="1"/>
+          </p:cNvSpPr>
+          <p:nvPr>
+            <p:ph type="sldImg"/>
+          </p:nvPr>
+        </p:nvSpPr>
+        <p:spPr/>
+      </p:sp>
+      <p:sp>
+        <p:nvSpPr>
+          <p:cNvPr id="3" name="ノート プレースホルダー 2"/>
+          <p:cNvSpPr>
+            <a:spLocks noGrp="1"/>
+          </p:cNvSpPr>
+          <p:nvPr>
+            <p:ph type="body" idx="1"/>
+          </p:nvPr>
+        </p:nvSpPr>
+        <p:spPr/>
+        <p:txBody>
+          <a:bodyPr/>
+          <a:lstStyle/>
+          <a:p>
+            <a:r>
+              <a:rPr kumimoji="1" lang="ja-JP" altLang="en-US" dirty="0"/>
+              <a:t>ここからはアプリの機能についてもう少し詳しく！ご説明していきます。</a:t>
+            </a:r>
+            <a:endParaRPr kumimoji="1" lang="en-US" altLang="ja-JP" dirty="0"/>
+          </a:p>
+          <a:p>
+            <a:r>
+              <a:rPr kumimoji="1" lang="ja-JP" altLang="en-US" dirty="0"/>
+              <a:t>画面の上に敵の</a:t>
+            </a:r>
+            <a:r>
+              <a:rPr kumimoji="1" lang="en-US" altLang="ja-JP" dirty="0"/>
+              <a:t>HP</a:t>
+            </a:r>
+            <a:r>
+              <a:rPr kumimoji="1" lang="ja-JP" altLang="en-US" dirty="0"/>
+              <a:t>、パズルの上にプレイヤーの</a:t>
+            </a:r>
+            <a:r>
+              <a:rPr kumimoji="1" lang="en-US" altLang="ja-JP" dirty="0"/>
+              <a:t>HP</a:t>
+            </a:r>
+            <a:r>
+              <a:rPr kumimoji="1" lang="ja-JP" altLang="en-US" dirty="0"/>
+              <a:t>が表示されます。</a:t>
+            </a:r>
+            <a:r>
+              <a:rPr kumimoji="1" lang="en-US" altLang="ja-JP" dirty="0"/>
+              <a:t>2</a:t>
+            </a:r>
+            <a:r>
+              <a:rPr kumimoji="1" lang="ja-JP" altLang="en-US" dirty="0"/>
+              <a:t>つのボールをクリックにより選択することで、ボールを入れ替えることができます。</a:t>
+            </a:r>
+            <a:endParaRPr kumimoji="1" lang="en-US" altLang="ja-JP" dirty="0"/>
+          </a:p>
+          <a:p>
+            <a:r>
+              <a:rPr kumimoji="1" lang="ja-JP" altLang="en-US" dirty="0"/>
+              <a:t>そして、</a:t>
+            </a:r>
+            <a:r>
+              <a:rPr kumimoji="1" lang="en-US" altLang="ja-JP" dirty="0"/>
+              <a:t>3</a:t>
+            </a:r>
+            <a:r>
+              <a:rPr kumimoji="1" lang="ja-JP" altLang="en-US" dirty="0"/>
+              <a:t>つ以上同じ色のボールが繋がると、画面右側のように自動で消えます。</a:t>
+            </a:r>
+            <a:endParaRPr kumimoji="1" lang="en-US" altLang="ja-JP" dirty="0"/>
+          </a:p>
+          <a:p>
+            <a:r>
+              <a:rPr kumimoji="1" lang="ja-JP" altLang="en-US" dirty="0"/>
+              <a:t>パズルが消えると敵にダメージを与えることができます。また、相手のターンには敵からの攻撃も受けますので、自分の</a:t>
+            </a:r>
+            <a:r>
+              <a:rPr kumimoji="1" lang="en-US" altLang="ja-JP" dirty="0"/>
+              <a:t>HP</a:t>
+            </a:r>
+            <a:r>
+              <a:rPr kumimoji="1" lang="ja-JP" altLang="en-US" dirty="0"/>
+              <a:t>が</a:t>
+            </a:r>
+            <a:r>
+              <a:rPr kumimoji="1" lang="en-US" altLang="ja-JP" dirty="0"/>
+              <a:t>0</a:t>
+            </a:r>
+            <a:r>
+              <a:rPr kumimoji="1" lang="ja-JP" altLang="en-US" dirty="0"/>
+              <a:t>になるよりも先に敵の</a:t>
+            </a:r>
+            <a:r>
+              <a:rPr kumimoji="1" lang="en-US" altLang="ja-JP" dirty="0"/>
+              <a:t>HP</a:t>
+            </a:r>
+            <a:r>
+              <a:rPr kumimoji="1" lang="ja-JP" altLang="en-US" dirty="0"/>
+              <a:t>を</a:t>
+            </a:r>
+            <a:r>
+              <a:rPr kumimoji="1" lang="en-US" altLang="ja-JP" dirty="0"/>
+              <a:t>0</a:t>
+            </a:r>
+            <a:r>
+              <a:rPr kumimoji="1" lang="ja-JP" altLang="en-US" dirty="0"/>
+              <a:t>にする必要があります。</a:t>
+            </a:r>
+            <a:endParaRPr kumimoji="1" lang="en-US" altLang="ja-JP" dirty="0"/>
+          </a:p>
+          <a:p>
+            <a:endParaRPr kumimoji="1" lang="ja-JP" altLang="en-US" dirty="0"/>
+          </a:p>
+        </p:txBody>
+      </p:sp>
+      <p:sp>
+        <p:nvSpPr>
+          <p:cNvPr id="4" name="スライド番号プレースホルダー 3"/>
+          <p:cNvSpPr>
+            <a:spLocks noGrp="1"/>
+          </p:cNvSpPr>
+          <p:nvPr>
+            <p:ph type="sldNum" sz="quarter" idx="5"/>
+          </p:nvPr>
+        </p:nvSpPr>
+        <p:spPr/>
+        <p:txBody>
+          <a:bodyPr/>
+          <a:lstStyle/>
+          <a:p>
+            <a:fld id="{06EA2465-E7C7-4F1E-8C50-D20E735A8D73}" type="slidenum">
+              <a:rPr kumimoji="1" lang="ja-JP" altLang="en-US" smtClean="0"/>
+              <a:t>5</a:t>
+            </a:fld>
+            <a:endParaRPr kumimoji="1" lang="ja-JP" altLang="en-US"/>
+          </a:p>
+        </p:txBody>
+      </p:sp>
+    </p:spTree>
+    <p:extLst>
+      <p:ext uri="{BB962C8B-B14F-4D97-AF65-F5344CB8AC3E}">
+        <p14:creationId xmlns:p14="http://schemas.microsoft.com/office/powerpoint/2010/main" val="3337479836"/>
+      </p:ext>
+    </p:extLst>
+  </p:cSld>
+  <p:clrMapOvr>
+    <a:masterClrMapping/>
+  </p:clrMapOvr>
+</p:notes>
+</file>
+
+<file path=ppt/notesSlides/notesSlide5.xml><?xml version="1.0" encoding="utf-8"?>
+<p:notes xmlns:a="http://schemas.openxmlformats.org/drawingml/2006/main" xmlns:r="http://schemas.openxmlformats.org/officeDocument/2006/relationships" xmlns:p="http://schemas.openxmlformats.org/presentationml/2006/main">
+  <p:cSld>
+    <p:spTree>
+      <p:nvGrpSpPr>
+        <p:cNvPr id="1" name=""/>
+        <p:cNvGrpSpPr/>
+        <p:nvPr/>
+      </p:nvGrpSpPr>
+      <p:grpSpPr>
+        <a:xfrm>
+          <a:off x="0" y="0"/>
+          <a:ext cx="0" cy="0"/>
+          <a:chOff x="0" y="0"/>
+          <a:chExt cx="0" cy="0"/>
+        </a:xfrm>
+      </p:grpSpPr>
+      <p:sp>
+        <p:nvSpPr>
+          <p:cNvPr id="2" name="スライド イメージ プレースホルダー 1"/>
+          <p:cNvSpPr>
+            <a:spLocks noGrp="1" noRot="1" noChangeAspect="1"/>
+          </p:cNvSpPr>
+          <p:nvPr>
+            <p:ph type="sldImg"/>
+          </p:nvPr>
+        </p:nvSpPr>
+        <p:spPr/>
+      </p:sp>
+      <p:sp>
+        <p:nvSpPr>
+          <p:cNvPr id="3" name="ノート プレースホルダー 2"/>
+          <p:cNvSpPr>
+            <a:spLocks noGrp="1"/>
+          </p:cNvSpPr>
+          <p:nvPr>
+            <p:ph type="body" idx="1"/>
+          </p:nvPr>
+        </p:nvSpPr>
+        <p:spPr/>
+        <p:txBody>
+          <a:bodyPr/>
+          <a:lstStyle/>
+          <a:p>
+            <a:r>
+              <a:rPr kumimoji="1" lang="ja-JP" altLang="en-US" dirty="0"/>
+              <a:t>次に勝利した場合の操作方法についてです。</a:t>
+            </a:r>
+            <a:endParaRPr kumimoji="1" lang="en-US" altLang="ja-JP" dirty="0"/>
+          </a:p>
+          <a:p>
+            <a:r>
+              <a:rPr kumimoji="1" lang="ja-JP" altLang="en-US" dirty="0"/>
+              <a:t>勝利すると、スライド左側のように選択肢が出てきます。ここで</a:t>
+            </a:r>
+            <a:r>
+              <a:rPr kumimoji="1" lang="en-US" altLang="ja-JP" dirty="0"/>
+              <a:t>next</a:t>
+            </a:r>
+            <a:r>
+              <a:rPr kumimoji="1" lang="ja-JP" altLang="en-US" dirty="0"/>
+              <a:t>を選択するとスライド右側のように次のステージへ進み、</a:t>
+            </a:r>
+            <a:r>
+              <a:rPr kumimoji="1" lang="en-US" altLang="ja-JP" dirty="0"/>
+              <a:t>quit</a:t>
+            </a:r>
+            <a:r>
+              <a:rPr kumimoji="1" lang="ja-JP" altLang="en-US" dirty="0"/>
+              <a:t>を選択するとゲームを終了します。</a:t>
+            </a:r>
+            <a:endParaRPr kumimoji="1" lang="en-US" altLang="ja-JP" dirty="0"/>
+          </a:p>
+          <a:p>
+            <a:endParaRPr kumimoji="1" lang="ja-JP" altLang="en-US" dirty="0"/>
+          </a:p>
+        </p:txBody>
+      </p:sp>
+      <p:sp>
+        <p:nvSpPr>
+          <p:cNvPr id="4" name="スライド番号プレースホルダー 3"/>
+          <p:cNvSpPr>
+            <a:spLocks noGrp="1"/>
+          </p:cNvSpPr>
+          <p:nvPr>
+            <p:ph type="sldNum" sz="quarter" idx="5"/>
+          </p:nvPr>
+        </p:nvSpPr>
+        <p:spPr/>
+        <p:txBody>
+          <a:bodyPr/>
+          <a:lstStyle/>
+          <a:p>
+            <a:fld id="{06EA2465-E7C7-4F1E-8C50-D20E735A8D73}" type="slidenum">
+              <a:rPr kumimoji="1" lang="ja-JP" altLang="en-US" smtClean="0"/>
+              <a:t>6</a:t>
+            </a:fld>
+            <a:endParaRPr kumimoji="1" lang="ja-JP" altLang="en-US"/>
+          </a:p>
+        </p:txBody>
+      </p:sp>
+    </p:spTree>
+    <p:extLst>
+      <p:ext uri="{BB962C8B-B14F-4D97-AF65-F5344CB8AC3E}">
+        <p14:creationId xmlns:p14="http://schemas.microsoft.com/office/powerpoint/2010/main" val="3954199307"/>
+      </p:ext>
+    </p:extLst>
+  </p:cSld>
+  <p:clrMapOvr>
+    <a:masterClrMapping/>
+  </p:clrMapOvr>
+</p:notes>
+</file>
+
+<file path=ppt/notesSlides/notesSlide6.xml><?xml version="1.0" encoding="utf-8"?>
+<p:notes xmlns:a="http://schemas.openxmlformats.org/drawingml/2006/main" xmlns:r="http://schemas.openxmlformats.org/officeDocument/2006/relationships" xmlns:p="http://schemas.openxmlformats.org/presentationml/2006/main">
+  <p:cSld>
+    <p:spTree>
+      <p:nvGrpSpPr>
+        <p:cNvPr id="1" name=""/>
+        <p:cNvGrpSpPr/>
+        <p:nvPr/>
+      </p:nvGrpSpPr>
+      <p:grpSpPr>
+        <a:xfrm>
+          <a:off x="0" y="0"/>
+          <a:ext cx="0" cy="0"/>
+          <a:chOff x="0" y="0"/>
+          <a:chExt cx="0" cy="0"/>
+        </a:xfrm>
+      </p:grpSpPr>
+      <p:sp>
+        <p:nvSpPr>
+          <p:cNvPr id="2" name="スライド イメージ プレースホルダー 1"/>
+          <p:cNvSpPr>
+            <a:spLocks noGrp="1" noRot="1" noChangeAspect="1"/>
+          </p:cNvSpPr>
+          <p:nvPr>
+            <p:ph type="sldImg"/>
+          </p:nvPr>
+        </p:nvSpPr>
+        <p:spPr/>
+      </p:sp>
+      <p:sp>
+        <p:nvSpPr>
+          <p:cNvPr id="3" name="ノート プレースホルダー 2"/>
+          <p:cNvSpPr>
+            <a:spLocks noGrp="1"/>
+          </p:cNvSpPr>
+          <p:nvPr>
+            <p:ph type="body" idx="1"/>
+          </p:nvPr>
+        </p:nvSpPr>
+        <p:spPr/>
+        <p:txBody>
+          <a:bodyPr/>
+          <a:lstStyle/>
+          <a:p>
+            <a:r>
+              <a:rPr kumimoji="1" lang="ja-JP" altLang="en-US" dirty="0"/>
+              <a:t>次に勝利した場合の操作方法についてです。</a:t>
+            </a:r>
+            <a:endParaRPr kumimoji="1" lang="en-US" altLang="ja-JP" dirty="0"/>
+          </a:p>
+          <a:p>
+            <a:r>
+              <a:rPr kumimoji="1" lang="ja-JP" altLang="en-US" dirty="0"/>
+              <a:t>勝利すると、スライド左側のように選択肢が出てきます。ここで</a:t>
+            </a:r>
+            <a:r>
+              <a:rPr kumimoji="1" lang="en-US" altLang="ja-JP" dirty="0"/>
+              <a:t>next</a:t>
+            </a:r>
+            <a:r>
+              <a:rPr kumimoji="1" lang="ja-JP" altLang="en-US" dirty="0"/>
+              <a:t>を選択するとスライド右側のように次のステージへ進み、</a:t>
+            </a:r>
+            <a:r>
+              <a:rPr kumimoji="1" lang="en-US" altLang="ja-JP" dirty="0"/>
+              <a:t>quit</a:t>
+            </a:r>
+            <a:r>
+              <a:rPr kumimoji="1" lang="ja-JP" altLang="en-US" dirty="0"/>
+              <a:t>を選択するとゲームを終了します。</a:t>
+            </a:r>
+            <a:endParaRPr kumimoji="1" lang="en-US" altLang="ja-JP" dirty="0"/>
+          </a:p>
+          <a:p>
+            <a:endParaRPr kumimoji="1" lang="ja-JP" altLang="en-US" dirty="0"/>
+          </a:p>
+        </p:txBody>
+      </p:sp>
+      <p:sp>
+        <p:nvSpPr>
+          <p:cNvPr id="4" name="スライド番号プレースホルダー 3"/>
+          <p:cNvSpPr>
+            <a:spLocks noGrp="1"/>
+          </p:cNvSpPr>
+          <p:nvPr>
+            <p:ph type="sldNum" sz="quarter" idx="5"/>
+          </p:nvPr>
+        </p:nvSpPr>
+        <p:spPr/>
+        <p:txBody>
+          <a:bodyPr/>
+          <a:lstStyle/>
+          <a:p>
+            <a:fld id="{06EA2465-E7C7-4F1E-8C50-D20E735A8D73}" type="slidenum">
+              <a:rPr kumimoji="1" lang="ja-JP" altLang="en-US" smtClean="0"/>
+              <a:t>7</a:t>
+            </a:fld>
+            <a:endParaRPr kumimoji="1" lang="ja-JP" altLang="en-US"/>
+          </a:p>
+        </p:txBody>
+      </p:sp>
+    </p:spTree>
+    <p:extLst>
+      <p:ext uri="{BB962C8B-B14F-4D97-AF65-F5344CB8AC3E}">
+        <p14:creationId xmlns:p14="http://schemas.microsoft.com/office/powerpoint/2010/main" val="3033120278"/>
+      </p:ext>
+    </p:extLst>
+  </p:cSld>
+  <p:clrMapOvr>
+    <a:masterClrMapping/>
+  </p:clrMapOvr>
+</p:notes>
+</file>
+
+<file path=ppt/notesSlides/notesSlide7.xml><?xml version="1.0" encoding="utf-8"?>
+<p:notes xmlns:a="http://schemas.openxmlformats.org/drawingml/2006/main" xmlns:r="http://schemas.openxmlformats.org/officeDocument/2006/relationships" xmlns:p="http://schemas.openxmlformats.org/presentationml/2006/main">
+  <p:cSld>
+    <p:spTree>
+      <p:nvGrpSpPr>
+        <p:cNvPr id="1" name=""/>
+        <p:cNvGrpSpPr/>
+        <p:nvPr/>
+      </p:nvGrpSpPr>
+      <p:grpSpPr>
+        <a:xfrm>
+          <a:off x="0" y="0"/>
+          <a:ext cx="0" cy="0"/>
+          <a:chOff x="0" y="0"/>
+          <a:chExt cx="0" cy="0"/>
+        </a:xfrm>
+      </p:grpSpPr>
+      <p:sp>
+        <p:nvSpPr>
+          <p:cNvPr id="2" name="スライド イメージ プレースホルダー 1"/>
+          <p:cNvSpPr>
+            <a:spLocks noGrp="1" noRot="1" noChangeAspect="1"/>
+          </p:cNvSpPr>
+          <p:nvPr>
+            <p:ph type="sldImg"/>
+          </p:nvPr>
+        </p:nvSpPr>
+        <p:spPr/>
+      </p:sp>
+      <p:sp>
+        <p:nvSpPr>
+          <p:cNvPr id="3" name="ノート プレースホルダー 2"/>
+          <p:cNvSpPr>
+            <a:spLocks noGrp="1"/>
+          </p:cNvSpPr>
+          <p:nvPr>
+            <p:ph type="body" idx="1"/>
+          </p:nvPr>
+        </p:nvSpPr>
+        <p:spPr/>
+        <p:txBody>
+          <a:bodyPr/>
+          <a:lstStyle/>
+          <a:p>
+            <a:pPr marL="0" marR="0" lvl="0" indent="0" algn="l" defTabSz="914400" rtl="0" eaLnBrk="1" fontAlgn="auto" latinLnBrk="0" hangingPunct="1">
+              <a:lnSpc>
+                <a:spcPct val="100000"/>
+              </a:lnSpc>
+              <a:spcBef>
+                <a:spcPts val="0"/>
+              </a:spcBef>
+              <a:spcAft>
+                <a:spcPts val="0"/>
+              </a:spcAft>
+              <a:buClrTx/>
+              <a:buSzTx/>
+              <a:buFontTx/>
+              <a:buNone/>
+              <a:tabLst/>
+              <a:defRPr/>
+            </a:pPr>
+            <a:r>
+              <a:rPr kumimoji="1" lang="ja-JP" altLang="en-US" dirty="0"/>
+              <a:t>実際にアプリで遊ぶ様子をご覧ください！！</a:t>
+            </a:r>
+          </a:p>
+          <a:p>
+            <a:endParaRPr kumimoji="1" lang="ja-JP" altLang="en-US" dirty="0"/>
+          </a:p>
+        </p:txBody>
+      </p:sp>
+      <p:sp>
+        <p:nvSpPr>
+          <p:cNvPr id="4" name="スライド番号プレースホルダー 3"/>
+          <p:cNvSpPr>
+            <a:spLocks noGrp="1"/>
+          </p:cNvSpPr>
+          <p:nvPr>
+            <p:ph type="sldNum" sz="quarter" idx="5"/>
+          </p:nvPr>
+        </p:nvSpPr>
+        <p:spPr/>
+        <p:txBody>
+          <a:bodyPr/>
+          <a:lstStyle/>
+          <a:p>
+            <a:fld id="{06EA2465-E7C7-4F1E-8C50-D20E735A8D73}" type="slidenum">
+              <a:rPr kumimoji="1" lang="ja-JP" altLang="en-US" smtClean="0"/>
+              <a:t>8</a:t>
+            </a:fld>
+            <a:endParaRPr kumimoji="1" lang="ja-JP" altLang="en-US"/>
+          </a:p>
+        </p:txBody>
+      </p:sp>
+    </p:spTree>
+    <p:extLst>
+      <p:ext uri="{BB962C8B-B14F-4D97-AF65-F5344CB8AC3E}">
+        <p14:creationId xmlns:p14="http://schemas.microsoft.com/office/powerpoint/2010/main" val="2461650943"/>
+      </p:ext>
+    </p:extLst>
+  </p:cSld>
+  <p:clrMapOvr>
+    <a:masterClrMapping/>
+  </p:clrMapOvr>
+</p:notes>
+</file>
+
+<file path=ppt/notesSlides/notesSlide8.xml><?xml version="1.0" encoding="utf-8"?>
+<p:notes xmlns:a="http://schemas.openxmlformats.org/drawingml/2006/main" xmlns:r="http://schemas.openxmlformats.org/officeDocument/2006/relationships" xmlns:p="http://schemas.openxmlformats.org/presentationml/2006/main">
+  <p:cSld>
+    <p:spTree>
+      <p:nvGrpSpPr>
+        <p:cNvPr id="1" name=""/>
+        <p:cNvGrpSpPr/>
+        <p:nvPr/>
+      </p:nvGrpSpPr>
+      <p:grpSpPr>
+        <a:xfrm>
+          <a:off x="0" y="0"/>
+          <a:ext cx="0" cy="0"/>
+          <a:chOff x="0" y="0"/>
+          <a:chExt cx="0" cy="0"/>
+        </a:xfrm>
+      </p:grpSpPr>
+      <p:sp>
+        <p:nvSpPr>
+          <p:cNvPr id="2" name="スライド イメージ プレースホルダー 1"/>
+          <p:cNvSpPr>
+            <a:spLocks noGrp="1" noRot="1" noChangeAspect="1"/>
+          </p:cNvSpPr>
+          <p:nvPr>
+            <p:ph type="sldImg"/>
+          </p:nvPr>
+        </p:nvSpPr>
+        <p:spPr/>
+      </p:sp>
+      <p:sp>
+        <p:nvSpPr>
+          <p:cNvPr id="3" name="ノート プレースホルダー 2"/>
+          <p:cNvSpPr>
+            <a:spLocks noGrp="1"/>
+          </p:cNvSpPr>
+          <p:nvPr>
+            <p:ph type="body" idx="1"/>
+          </p:nvPr>
+        </p:nvSpPr>
+        <p:spPr/>
+        <p:txBody>
+          <a:bodyPr/>
+          <a:lstStyle/>
+          <a:p>
+            <a:pPr marL="0" marR="0" lvl="0" indent="0" algn="l" defTabSz="914400" rtl="0" eaLnBrk="1" fontAlgn="auto" latinLnBrk="0" hangingPunct="1">
+              <a:lnSpc>
+                <a:spcPct val="100000"/>
+              </a:lnSpc>
+              <a:spcBef>
+                <a:spcPts val="0"/>
+              </a:spcBef>
+              <a:spcAft>
+                <a:spcPts val="0"/>
+              </a:spcAft>
+              <a:buClrTx/>
+              <a:buSzTx/>
+              <a:buFontTx/>
+              <a:buNone/>
+              <a:tabLst/>
+              <a:defRPr/>
+            </a:pPr>
+            <a:r>
+              <a:rPr kumimoji="1" lang="ja-JP" altLang="en-US" dirty="0"/>
+              <a:t>これで</a:t>
+            </a:r>
+            <a:r>
+              <a:rPr kumimoji="1" lang="en-US" altLang="ja-JP" dirty="0"/>
+              <a:t>5</a:t>
+            </a:r>
+            <a:r>
+              <a:rPr kumimoji="1" lang="ja-JP" altLang="en-US"/>
+              <a:t>班の発表を終わります！ご清聴ありがとうございました！！</a:t>
+            </a:r>
+          </a:p>
+          <a:p>
+            <a:endParaRPr kumimoji="1" lang="ja-JP" altLang="en-US"/>
+          </a:p>
+        </p:txBody>
+      </p:sp>
+      <p:sp>
+        <p:nvSpPr>
+          <p:cNvPr id="4" name="スライド番号プレースホルダー 3"/>
+          <p:cNvSpPr>
+            <a:spLocks noGrp="1"/>
+          </p:cNvSpPr>
+          <p:nvPr>
+            <p:ph type="sldNum" sz="quarter" idx="5"/>
+          </p:nvPr>
+        </p:nvSpPr>
+        <p:spPr/>
+        <p:txBody>
+          <a:bodyPr/>
+          <a:lstStyle/>
+          <a:p>
+            <a:fld id="{06EA2465-E7C7-4F1E-8C50-D20E735A8D73}" type="slidenum">
+              <a:rPr kumimoji="1" lang="ja-JP" altLang="en-US" smtClean="0"/>
+              <a:t>9</a:t>
+            </a:fld>
+            <a:endParaRPr kumimoji="1" lang="ja-JP" altLang="en-US"/>
+          </a:p>
+        </p:txBody>
+      </p:sp>
+    </p:spTree>
+    <p:extLst>
+      <p:ext uri="{BB962C8B-B14F-4D97-AF65-F5344CB8AC3E}">
+        <p14:creationId xmlns:p14="http://schemas.microsoft.com/office/powerpoint/2010/main" val="4063352477"/>
+      </p:ext>
+    </p:extLst>
+  </p:cSld>
+  <p:clrMapOvr>
+    <a:masterClrMapping/>
+  </p:clrMapOvr>
+</p:notes>
 </file>
 
 <file path=ppt/slideLayouts/slideLayout1.xml><?xml version="1.0" encoding="utf-8"?>
@@ -6452,7 +7816,7 @@
           <p:nvPr/>
         </p:nvPicPr>
         <p:blipFill>
-          <a:blip r:embed="rId2"/>
+          <a:blip r:embed="rId3"/>
           <a:srcRect t="54882" r="71132"/>
           <a:stretch>
             <a:fillRect/>
@@ -6481,120 +7845,6 @@
 </p:sld>
 </file>
 
-<file path=ppt/slides/slide10.xml><?xml version="1.0" encoding="utf-8"?>
-<p:sld xmlns:a="http://schemas.openxmlformats.org/drawingml/2006/main" xmlns:r="http://schemas.openxmlformats.org/officeDocument/2006/relationships" xmlns:p="http://schemas.openxmlformats.org/presentationml/2006/main" show="0">
-  <p:cSld>
-    <p:spTree>
-      <p:nvGrpSpPr>
-        <p:cNvPr id="1" name=""/>
-        <p:cNvGrpSpPr/>
-        <p:nvPr/>
-      </p:nvGrpSpPr>
-      <p:grpSpPr>
-        <a:xfrm>
-          <a:off x="0" y="0"/>
-          <a:ext cx="0" cy="0"/>
-          <a:chOff x="0" y="0"/>
-          <a:chExt cx="0" cy="0"/>
-        </a:xfrm>
-      </p:grpSpPr>
-      <p:sp>
-        <p:nvSpPr>
-          <p:cNvPr id="2" name="タイトル 1">
-            <a:extLst>
-              <a:ext uri="{FF2B5EF4-FFF2-40B4-BE49-F238E27FC236}">
-                <a16:creationId xmlns:a16="http://schemas.microsoft.com/office/drawing/2014/main" id="{786383BF-C9DE-C694-9E8F-54869B70973A}"/>
-              </a:ext>
-            </a:extLst>
-          </p:cNvPr>
-          <p:cNvSpPr>
-            <a:spLocks noGrp="1"/>
-          </p:cNvSpPr>
-          <p:nvPr>
-            <p:ph type="title"/>
-          </p:nvPr>
-        </p:nvSpPr>
-        <p:spPr/>
-        <p:txBody>
-          <a:bodyPr/>
-          <a:lstStyle/>
-          <a:p>
-            <a:endParaRPr kumimoji="1" lang="ja-JP" altLang="en-US"/>
-          </a:p>
-        </p:txBody>
-      </p:sp>
-      <p:pic>
-        <p:nvPicPr>
-          <p:cNvPr id="8" name="コンテンツ プレースホルダー 7">
-            <a:extLst>
-              <a:ext uri="{FF2B5EF4-FFF2-40B4-BE49-F238E27FC236}">
-                <a16:creationId xmlns:a16="http://schemas.microsoft.com/office/drawing/2014/main" id="{E81236FF-D369-F54D-4095-CF0457398229}"/>
-              </a:ext>
-            </a:extLst>
-          </p:cNvPr>
-          <p:cNvPicPr>
-            <a:picLocks noGrp="1" noChangeAspect="1"/>
-          </p:cNvPicPr>
-          <p:nvPr>
-            <p:ph idx="1"/>
-          </p:nvPr>
-        </p:nvPicPr>
-        <p:blipFill>
-          <a:blip r:embed="rId2"/>
-          <a:stretch>
-            <a:fillRect/>
-          </a:stretch>
-        </p:blipFill>
-        <p:spPr>
-          <a:xfrm>
-            <a:off x="3035300" y="2160588"/>
-            <a:ext cx="3881437" cy="3881437"/>
-          </a:xfrm>
-        </p:spPr>
-      </p:pic>
-      <p:pic>
-        <p:nvPicPr>
-          <p:cNvPr id="4" name="図 3">
-            <a:extLst>
-              <a:ext uri="{FF2B5EF4-FFF2-40B4-BE49-F238E27FC236}">
-                <a16:creationId xmlns:a16="http://schemas.microsoft.com/office/drawing/2014/main" id="{2B65059E-71BF-8FD6-5DEB-B0D40747CA25}"/>
-              </a:ext>
-            </a:extLst>
-          </p:cNvPr>
-          <p:cNvPicPr>
-            <a:picLocks noChangeAspect="1"/>
-          </p:cNvPicPr>
-          <p:nvPr/>
-        </p:nvPicPr>
-        <p:blipFill>
-          <a:blip r:embed="rId3"/>
-          <a:stretch>
-            <a:fillRect/>
-          </a:stretch>
-        </p:blipFill>
-        <p:spPr>
-          <a:xfrm>
-            <a:off x="3735008" y="1636989"/>
-            <a:ext cx="5400040" cy="2992755"/>
-          </a:xfrm>
-          <a:prstGeom prst="rect">
-            <a:avLst/>
-          </a:prstGeom>
-        </p:spPr>
-      </p:pic>
-    </p:spTree>
-    <p:extLst>
-      <p:ext uri="{BB962C8B-B14F-4D97-AF65-F5344CB8AC3E}">
-        <p14:creationId xmlns:p14="http://schemas.microsoft.com/office/powerpoint/2010/main" val="2220163503"/>
-      </p:ext>
-    </p:extLst>
-  </p:cSld>
-  <p:clrMapOvr>
-    <a:masterClrMapping/>
-  </p:clrMapOvr>
-</p:sld>
-</file>
-
 <file path=ppt/slides/slide2.xml><?xml version="1.0" encoding="utf-8"?>
 <p:sld xmlns:a="http://schemas.openxmlformats.org/drawingml/2006/main" xmlns:r="http://schemas.openxmlformats.org/officeDocument/2006/relationships" xmlns:p="http://schemas.openxmlformats.org/presentationml/2006/main">
   <p:cSld>
@@ -6717,7 +7967,7 @@
           <p:nvPr/>
         </p:nvPicPr>
         <p:blipFill>
-          <a:blip r:embed="rId2"/>
+          <a:blip r:embed="rId3"/>
           <a:srcRect l="70755" t="52186" r="6093" b="3571"/>
           <a:stretch>
             <a:fillRect/>
@@ -6987,7 +8237,7 @@
           <p:nvPr/>
         </p:nvPicPr>
         <p:blipFill>
-          <a:blip r:embed="rId2"/>
+          <a:blip r:embed="rId3"/>
           <a:stretch>
             <a:fillRect/>
           </a:stretch>
@@ -7017,7 +8267,7 @@
           <p:nvPr/>
         </p:nvPicPr>
         <p:blipFill>
-          <a:blip r:embed="rId3"/>
+          <a:blip r:embed="rId4"/>
           <a:srcRect l="73430" t="52355" r="4544" b="5605"/>
           <a:stretch>
             <a:fillRect/>
@@ -7048,7 +8298,7 @@
           <p:nvPr/>
         </p:nvPicPr>
         <p:blipFill>
-          <a:blip r:embed="rId3"/>
+          <a:blip r:embed="rId4"/>
           <a:srcRect l="5039" t="2006" r="73571" b="48602"/>
           <a:stretch>
             <a:fillRect/>
@@ -7079,7 +8329,7 @@
           <p:nvPr/>
         </p:nvPicPr>
         <p:blipFill>
-          <a:blip r:embed="rId3"/>
+          <a:blip r:embed="rId4"/>
           <a:srcRect l="36741" t="2696" r="36141" b="50440"/>
           <a:stretch>
             <a:fillRect/>
@@ -7110,7 +8360,7 @@
           <p:nvPr/>
         </p:nvPicPr>
         <p:blipFill>
-          <a:blip r:embed="rId3"/>
+          <a:blip r:embed="rId4"/>
           <a:srcRect l="69546" t="3473" r="6773" b="52394"/>
           <a:stretch>
             <a:fillRect/>
@@ -7141,7 +8391,7 @@
           <p:nvPr/>
         </p:nvPicPr>
         <p:blipFill>
-          <a:blip r:embed="rId3"/>
+          <a:blip r:embed="rId4"/>
           <a:srcRect l="3257" t="57831" r="70593" b="4357"/>
           <a:stretch>
             <a:fillRect/>
@@ -7172,7 +8422,7 @@
           <p:nvPr/>
         </p:nvPicPr>
         <p:blipFill>
-          <a:blip r:embed="rId3"/>
+          <a:blip r:embed="rId4"/>
           <a:srcRect l="39414" t="58519" r="38433" b="1967"/>
           <a:stretch>
             <a:fillRect/>
@@ -7769,7 +9019,7 @@
           </p:nvPr>
         </p:nvPicPr>
         <p:blipFill>
-          <a:blip r:embed="rId2">
+          <a:blip r:embed="rId3">
             <a:extLst>
               <a:ext uri="{28A0092B-C50C-407E-A947-70E740481C1C}">
                 <a14:useLocalDpi xmlns:a14="http://schemas.microsoft.com/office/drawing/2010/main" val="0"/>
@@ -7803,7 +9053,7 @@
           <p:nvPr/>
         </p:nvPicPr>
         <p:blipFill>
-          <a:blip r:embed="rId3">
+          <a:blip r:embed="rId4">
             <a:extLst>
               <a:ext uri="{28A0092B-C50C-407E-A947-70E740481C1C}">
                 <a14:useLocalDpi xmlns:a14="http://schemas.microsoft.com/office/drawing/2010/main" val="0"/>
@@ -8345,7 +9595,7 @@
           <p:nvPr/>
         </p:nvPicPr>
         <p:blipFill>
-          <a:blip r:embed="rId2"/>
+          <a:blip r:embed="rId3"/>
           <a:stretch>
             <a:fillRect/>
           </a:stretch>
@@ -8375,7 +9625,7 @@
           <p:nvPr/>
         </p:nvPicPr>
         <p:blipFill>
-          <a:blip r:embed="rId3"/>
+          <a:blip r:embed="rId4"/>
           <a:stretch>
             <a:fillRect/>
           </a:stretch>
@@ -8770,7 +10020,7 @@
           <p:nvPr/>
         </p:nvPicPr>
         <p:blipFill>
-          <a:blip r:embed="rId2"/>
+          <a:blip r:embed="rId3"/>
           <a:stretch>
             <a:fillRect/>
           </a:stretch>
@@ -9120,7 +10370,7 @@
           <p:nvPr/>
         </p:nvPicPr>
         <p:blipFill>
-          <a:blip r:embed="rId3"/>
+          <a:blip r:embed="rId4"/>
           <a:srcRect t="5979"/>
           <a:stretch>
             <a:fillRect/>
@@ -9228,7 +10478,7 @@
           <p:nvPr/>
         </p:nvPicPr>
         <p:blipFill>
-          <a:blip r:embed="rId2"/>
+          <a:blip r:embed="rId3"/>
           <a:stretch>
             <a:fillRect/>
           </a:stretch>
@@ -9324,7 +10574,7 @@
           <p:nvPr/>
         </p:nvPicPr>
         <p:blipFill>
-          <a:blip r:embed="rId2"/>
+          <a:blip r:embed="rId3"/>
           <a:srcRect l="71774" t="53547" r="3399" b="5261"/>
           <a:stretch>
             <a:fillRect/>
@@ -9355,7 +10605,7 @@
           <p:nvPr/>
         </p:nvPicPr>
         <p:blipFill>
-          <a:blip r:embed="rId2"/>
+          <a:blip r:embed="rId3"/>
           <a:srcRect l="5059" t="3422" r="71388" b="47185"/>
           <a:stretch>
             <a:fillRect/>
@@ -9386,7 +10636,7 @@
           <p:nvPr/>
         </p:nvPicPr>
         <p:blipFill>
-          <a:blip r:embed="rId2"/>
+          <a:blip r:embed="rId3"/>
           <a:srcRect l="37250" t="2378" r="36905" b="49226"/>
           <a:stretch>
             <a:fillRect/>
@@ -9417,7 +10667,7 @@
           <p:nvPr/>
         </p:nvPicPr>
         <p:blipFill>
-          <a:blip r:embed="rId2"/>
+          <a:blip r:embed="rId3"/>
           <a:srcRect l="69588" t="4446" r="4693" b="51546"/>
           <a:stretch>
             <a:fillRect/>
@@ -9448,7 +10698,7 @@
           <p:nvPr/>
         </p:nvPicPr>
         <p:blipFill>
-          <a:blip r:embed="rId2"/>
+          <a:blip r:embed="rId3"/>
           <a:srcRect l="2619" t="55867" r="71663" b="2773"/>
           <a:stretch>
             <a:fillRect/>
@@ -9479,7 +10729,7 @@
           <p:nvPr/>
         </p:nvPicPr>
         <p:blipFill>
-          <a:blip r:embed="rId2"/>
+          <a:blip r:embed="rId3"/>
           <a:srcRect l="40050" t="60040" r="37160" b="2772"/>
           <a:stretch>
             <a:fillRect/>
@@ -9763,4 +11013,299 @@
     </a:ext>
   </a:extLst>
 </a:theme>
+</file>
+
+<file path=ppt/theme/theme2.xml><?xml version="1.0" encoding="utf-8"?>
+<a:theme xmlns:a="http://schemas.openxmlformats.org/drawingml/2006/main" name="Office テーマ">
+  <a:themeElements>
+    <a:clrScheme name="Office">
+      <a:dk1>
+        <a:sysClr val="windowText" lastClr="000000"/>
+      </a:dk1>
+      <a:lt1>
+        <a:sysClr val="window" lastClr="FFFFFF"/>
+      </a:lt1>
+      <a:dk2>
+        <a:srgbClr val="44546A"/>
+      </a:dk2>
+      <a:lt2>
+        <a:srgbClr val="E7E6E6"/>
+      </a:lt2>
+      <a:accent1>
+        <a:srgbClr val="4472C4"/>
+      </a:accent1>
+      <a:accent2>
+        <a:srgbClr val="ED7D31"/>
+      </a:accent2>
+      <a:accent3>
+        <a:srgbClr val="A5A5A5"/>
+      </a:accent3>
+      <a:accent4>
+        <a:srgbClr val="FFC000"/>
+      </a:accent4>
+      <a:accent5>
+        <a:srgbClr val="5B9BD5"/>
+      </a:accent5>
+      <a:accent6>
+        <a:srgbClr val="70AD47"/>
+      </a:accent6>
+      <a:hlink>
+        <a:srgbClr val="0563C1"/>
+      </a:hlink>
+      <a:folHlink>
+        <a:srgbClr val="954F72"/>
+      </a:folHlink>
+    </a:clrScheme>
+    <a:fontScheme name="Office">
+      <a:majorFont>
+        <a:latin typeface="游ゴシック Light" panose="020F0302020204030204"/>
+        <a:ea typeface=""/>
+        <a:cs typeface=""/>
+        <a:font script="Jpan" typeface="游ゴシック Light"/>
+        <a:font script="Hang" typeface="맑은 고딕"/>
+        <a:font script="Hans" typeface="等线 Light"/>
+        <a:font script="Hant" typeface="新細明體"/>
+        <a:font script="Arab" typeface="Times New Roman"/>
+        <a:font script="Hebr" typeface="Times New Roman"/>
+        <a:font script="Thai" typeface="Angsana New"/>
+        <a:font script="Ethi" typeface="Nyala"/>
+        <a:font script="Beng" typeface="Vrinda"/>
+        <a:font script="Gujr" typeface="Shruti"/>
+        <a:font script="Khmr" typeface="MoolBoran"/>
+        <a:font script="Knda" typeface="Tunga"/>
+        <a:font script="Guru" typeface="Raavi"/>
+        <a:font script="Cans" typeface="Euphemia"/>
+        <a:font script="Cher" typeface="Plantagenet Cherokee"/>
+        <a:font script="Yiii" typeface="Microsoft Yi Baiti"/>
+        <a:font script="Tibt" typeface="Microsoft Himalaya"/>
+        <a:font script="Thaa" typeface="MV Boli"/>
+        <a:font script="Deva" typeface="Mangal"/>
+        <a:font script="Telu" typeface="Gautami"/>
+        <a:font script="Taml" typeface="Latha"/>
+        <a:font script="Syrc" typeface="Estrangelo Edessa"/>
+        <a:font script="Orya" typeface="Kalinga"/>
+        <a:font script="Mlym" typeface="Kartika"/>
+        <a:font script="Laoo" typeface="DokChampa"/>
+        <a:font script="Sinh" typeface="Iskoola Pota"/>
+        <a:font script="Mong" typeface="Mongolian Baiti"/>
+        <a:font script="Viet" typeface="Times New Roman"/>
+        <a:font script="Uigh" typeface="Microsoft Uighur"/>
+        <a:font script="Geor" typeface="Sylfaen"/>
+        <a:font script="Armn" typeface="Arial"/>
+        <a:font script="Bugi" typeface="Leelawadee UI"/>
+        <a:font script="Bopo" typeface="Microsoft JhengHei"/>
+        <a:font script="Java" typeface="Javanese Text"/>
+        <a:font script="Lisu" typeface="Segoe UI"/>
+        <a:font script="Mymr" typeface="Myanmar Text"/>
+        <a:font script="Nkoo" typeface="Ebrima"/>
+        <a:font script="Olck" typeface="Nirmala UI"/>
+        <a:font script="Osma" typeface="Ebrima"/>
+        <a:font script="Phag" typeface="Phagspa"/>
+        <a:font script="Syrn" typeface="Estrangelo Edessa"/>
+        <a:font script="Syrj" typeface="Estrangelo Edessa"/>
+        <a:font script="Syre" typeface="Estrangelo Edessa"/>
+        <a:font script="Sora" typeface="Nirmala UI"/>
+        <a:font script="Tale" typeface="Microsoft Tai Le"/>
+        <a:font script="Talu" typeface="Microsoft New Tai Lue"/>
+        <a:font script="Tfng" typeface="Ebrima"/>
+      </a:majorFont>
+      <a:minorFont>
+        <a:latin typeface="游ゴシック" panose="020F0502020204030204"/>
+        <a:ea typeface=""/>
+        <a:cs typeface=""/>
+        <a:font script="Jpan" typeface="游ゴシック"/>
+        <a:font script="Hang" typeface="맑은 고딕"/>
+        <a:font script="Hans" typeface="等线"/>
+        <a:font script="Hant" typeface="新細明體"/>
+        <a:font script="Arab" typeface="Arial"/>
+        <a:font script="Hebr" typeface="Arial"/>
+        <a:font script="Thai" typeface="Cordia New"/>
+        <a:font script="Ethi" typeface="Nyala"/>
+        <a:font script="Beng" typeface="Vrinda"/>
+        <a:font script="Gujr" typeface="Shruti"/>
+        <a:font script="Khmr" typeface="DaunPenh"/>
+        <a:font script="Knda" typeface="Tunga"/>
+        <a:font script="Guru" typeface="Raavi"/>
+        <a:font script="Cans" typeface="Euphemia"/>
+        <a:font script="Cher" typeface="Plantagenet Cherokee"/>
+        <a:font script="Yiii" typeface="Microsoft Yi Baiti"/>
+        <a:font script="Tibt" typeface="Microsoft Himalaya"/>
+        <a:font script="Thaa" typeface="MV Boli"/>
+        <a:font script="Deva" typeface="Mangal"/>
+        <a:font script="Telu" typeface="Gautami"/>
+        <a:font script="Taml" typeface="Latha"/>
+        <a:font script="Syrc" typeface="Estrangelo Edessa"/>
+        <a:font script="Orya" typeface="Kalinga"/>
+        <a:font script="Mlym" typeface="Kartika"/>
+        <a:font script="Laoo" typeface="DokChampa"/>
+        <a:font script="Sinh" typeface="Iskoola Pota"/>
+        <a:font script="Mong" typeface="Mongolian Baiti"/>
+        <a:font script="Viet" typeface="Arial"/>
+        <a:font script="Uigh" typeface="Microsoft Uighur"/>
+        <a:font script="Geor" typeface="Sylfaen"/>
+        <a:font script="Armn" typeface="Arial"/>
+        <a:font script="Bugi" typeface="Leelawadee UI"/>
+        <a:font script="Bopo" typeface="Microsoft JhengHei"/>
+        <a:font script="Java" typeface="Javanese Text"/>
+        <a:font script="Lisu" typeface="Segoe UI"/>
+        <a:font script="Mymr" typeface="Myanmar Text"/>
+        <a:font script="Nkoo" typeface="Ebrima"/>
+        <a:font script="Olck" typeface="Nirmala UI"/>
+        <a:font script="Osma" typeface="Ebrima"/>
+        <a:font script="Phag" typeface="Phagspa"/>
+        <a:font script="Syrn" typeface="Estrangelo Edessa"/>
+        <a:font script="Syrj" typeface="Estrangelo Edessa"/>
+        <a:font script="Syre" typeface="Estrangelo Edessa"/>
+        <a:font script="Sora" typeface="Nirmala UI"/>
+        <a:font script="Tale" typeface="Microsoft Tai Le"/>
+        <a:font script="Talu" typeface="Microsoft New Tai Lue"/>
+        <a:font script="Tfng" typeface="Ebrima"/>
+      </a:minorFont>
+    </a:fontScheme>
+    <a:fmtScheme name="Office">
+      <a:fillStyleLst>
+        <a:solidFill>
+          <a:schemeClr val="phClr"/>
+        </a:solidFill>
+        <a:gradFill rotWithShape="1">
+          <a:gsLst>
+            <a:gs pos="0">
+              <a:schemeClr val="phClr">
+                <a:lumMod val="110000"/>
+                <a:satMod val="105000"/>
+                <a:tint val="67000"/>
+              </a:schemeClr>
+            </a:gs>
+            <a:gs pos="50000">
+              <a:schemeClr val="phClr">
+                <a:lumMod val="105000"/>
+                <a:satMod val="103000"/>
+                <a:tint val="73000"/>
+              </a:schemeClr>
+            </a:gs>
+            <a:gs pos="100000">
+              <a:schemeClr val="phClr">
+                <a:lumMod val="105000"/>
+                <a:satMod val="109000"/>
+                <a:tint val="81000"/>
+              </a:schemeClr>
+            </a:gs>
+          </a:gsLst>
+          <a:lin ang="5400000" scaled="0"/>
+        </a:gradFill>
+        <a:gradFill rotWithShape="1">
+          <a:gsLst>
+            <a:gs pos="0">
+              <a:schemeClr val="phClr">
+                <a:satMod val="103000"/>
+                <a:lumMod val="102000"/>
+                <a:tint val="94000"/>
+              </a:schemeClr>
+            </a:gs>
+            <a:gs pos="50000">
+              <a:schemeClr val="phClr">
+                <a:satMod val="110000"/>
+                <a:lumMod val="100000"/>
+                <a:shade val="100000"/>
+              </a:schemeClr>
+            </a:gs>
+            <a:gs pos="100000">
+              <a:schemeClr val="phClr">
+                <a:lumMod val="99000"/>
+                <a:satMod val="120000"/>
+                <a:shade val="78000"/>
+              </a:schemeClr>
+            </a:gs>
+          </a:gsLst>
+          <a:lin ang="5400000" scaled="0"/>
+        </a:gradFill>
+      </a:fillStyleLst>
+      <a:lnStyleLst>
+        <a:ln w="6350" cap="flat" cmpd="sng" algn="ctr">
+          <a:solidFill>
+            <a:schemeClr val="phClr"/>
+          </a:solidFill>
+          <a:prstDash val="solid"/>
+          <a:miter lim="800000"/>
+        </a:ln>
+        <a:ln w="12700" cap="flat" cmpd="sng" algn="ctr">
+          <a:solidFill>
+            <a:schemeClr val="phClr"/>
+          </a:solidFill>
+          <a:prstDash val="solid"/>
+          <a:miter lim="800000"/>
+        </a:ln>
+        <a:ln w="19050" cap="flat" cmpd="sng" algn="ctr">
+          <a:solidFill>
+            <a:schemeClr val="phClr"/>
+          </a:solidFill>
+          <a:prstDash val="solid"/>
+          <a:miter lim="800000"/>
+        </a:ln>
+      </a:lnStyleLst>
+      <a:effectStyleLst>
+        <a:effectStyle>
+          <a:effectLst/>
+        </a:effectStyle>
+        <a:effectStyle>
+          <a:effectLst/>
+        </a:effectStyle>
+        <a:effectStyle>
+          <a:effectLst>
+            <a:outerShdw blurRad="57150" dist="19050" dir="5400000" algn="ctr" rotWithShape="0">
+              <a:srgbClr val="000000">
+                <a:alpha val="63000"/>
+              </a:srgbClr>
+            </a:outerShdw>
+          </a:effectLst>
+        </a:effectStyle>
+      </a:effectStyleLst>
+      <a:bgFillStyleLst>
+        <a:solidFill>
+          <a:schemeClr val="phClr"/>
+        </a:solidFill>
+        <a:solidFill>
+          <a:schemeClr val="phClr">
+            <a:tint val="95000"/>
+            <a:satMod val="170000"/>
+          </a:schemeClr>
+        </a:solidFill>
+        <a:gradFill rotWithShape="1">
+          <a:gsLst>
+            <a:gs pos="0">
+              <a:schemeClr val="phClr">
+                <a:tint val="93000"/>
+                <a:satMod val="150000"/>
+                <a:shade val="98000"/>
+                <a:lumMod val="102000"/>
+              </a:schemeClr>
+            </a:gs>
+            <a:gs pos="50000">
+              <a:schemeClr val="phClr">
+                <a:tint val="98000"/>
+                <a:satMod val="130000"/>
+                <a:shade val="90000"/>
+                <a:lumMod val="103000"/>
+              </a:schemeClr>
+            </a:gs>
+            <a:gs pos="100000">
+              <a:schemeClr val="phClr">
+                <a:shade val="63000"/>
+                <a:satMod val="120000"/>
+              </a:schemeClr>
+            </a:gs>
+          </a:gsLst>
+          <a:lin ang="5400000" scaled="0"/>
+        </a:gradFill>
+      </a:bgFillStyleLst>
+    </a:fmtScheme>
+  </a:themeElements>
+  <a:objectDefaults/>
+  <a:extraClrSchemeLst/>
+  <a:extLst>
+    <a:ext uri="{05A4C25C-085E-4340-85A3-A5531E510DB2}">
+      <thm15:themeFamily xmlns:thm15="http://schemas.microsoft.com/office/thememl/2012/main" name="Office Theme" id="{62F939B6-93AF-4DB8-9C6B-D6C7DFDC589F}" vid="{4A3C46E8-61CC-4603-A589-7422A47A8E4A}"/>
+    </a:ext>
+  </a:extLst>
+</a:theme>
 </file>
--- a/materials/team5_発表用資料.pptx
+++ b/materials/team5_発表用資料.pptx
@@ -1105,97 +1105,51 @@
           <a:p>
             <a:r>
               <a:rPr kumimoji="1" lang="ja-JP" altLang="en-US" dirty="0"/>
-              <a:t>ここからはアプリの機能についてもう少し詳しく！ご説明していきます。</a:t>
+              <a:t>次に作成したクラスについて説明します。</a:t>
             </a:r>
             <a:endParaRPr kumimoji="1" lang="en-US" altLang="ja-JP" dirty="0"/>
           </a:p>
           <a:p>
             <a:r>
+              <a:rPr kumimoji="1" lang="en-US" altLang="ja-JP" dirty="0"/>
+              <a:t>Chara</a:t>
+            </a:r>
+            <a:r>
               <a:rPr kumimoji="1" lang="ja-JP" altLang="en-US" dirty="0"/>
-              <a:t>画面の上に敵の</a:t>
+              <a:t>クラスを親クラスとして、敵オブジェクトを管理する</a:t>
             </a:r>
             <a:r>
               <a:rPr kumimoji="1" lang="en-US" altLang="ja-JP" dirty="0"/>
-              <a:t>HP</a:t>
+              <a:t>Enemy</a:t>
             </a:r>
             <a:r>
               <a:rPr kumimoji="1" lang="ja-JP" altLang="en-US" dirty="0"/>
-              <a:t>、パズルの上にプレイヤーの</a:t>
+              <a:t>クラス、プレイヤー情報を管理する</a:t>
             </a:r>
             <a:r>
               <a:rPr kumimoji="1" lang="en-US" altLang="ja-JP" dirty="0"/>
-              <a:t>HP</a:t>
+              <a:t>Player</a:t>
             </a:r>
             <a:r>
               <a:rPr kumimoji="1" lang="ja-JP" altLang="en-US" dirty="0"/>
-              <a:t>が表示されます。</a:t>
+              <a:t>クラスを作成しました。</a:t>
+            </a:r>
+            <a:endParaRPr kumimoji="1" lang="en-US" altLang="ja-JP" dirty="0"/>
+          </a:p>
+          <a:p>
+            <a:r>
+              <a:rPr kumimoji="1" lang="ja-JP" altLang="en-US" dirty="0"/>
+              <a:t>また、パズル部分の処理、描画を行う</a:t>
             </a:r>
             <a:r>
               <a:rPr kumimoji="1" lang="en-US" altLang="ja-JP" dirty="0"/>
-              <a:t>2</a:t>
+              <a:t>Puzzle</a:t>
             </a:r>
             <a:r>
               <a:rPr kumimoji="1" lang="ja-JP" altLang="en-US" dirty="0"/>
-              <a:t>つのボールをクリックにより選択することで、ボールを入れ替えることができます。</a:t>
+              <a:t>クラスを作成しました。</a:t>
             </a:r>
             <a:endParaRPr kumimoji="1" lang="en-US" altLang="ja-JP" dirty="0"/>
-          </a:p>
-          <a:p>
-            <a:r>
-              <a:rPr kumimoji="1" lang="ja-JP" altLang="en-US" dirty="0"/>
-              <a:t>そして、</a:t>
-            </a:r>
-            <a:r>
-              <a:rPr kumimoji="1" lang="en-US" altLang="ja-JP" dirty="0"/>
-              <a:t>3</a:t>
-            </a:r>
-            <a:r>
-              <a:rPr kumimoji="1" lang="ja-JP" altLang="en-US" dirty="0"/>
-              <a:t>つ以上同じ色のボールが繋がると、画面右側のように自動で消えます。</a:t>
-            </a:r>
-            <a:endParaRPr kumimoji="1" lang="en-US" altLang="ja-JP" dirty="0"/>
-          </a:p>
-          <a:p>
-            <a:r>
-              <a:rPr kumimoji="1" lang="ja-JP" altLang="en-US" dirty="0"/>
-              <a:t>パズルが消えると敵にダメージを与えることができます。また、相手のターンには敵からの攻撃も受けますので、自分の</a:t>
-            </a:r>
-            <a:r>
-              <a:rPr kumimoji="1" lang="en-US" altLang="ja-JP" dirty="0"/>
-              <a:t>HP</a:t>
-            </a:r>
-            <a:r>
-              <a:rPr kumimoji="1" lang="ja-JP" altLang="en-US" dirty="0"/>
-              <a:t>が</a:t>
-            </a:r>
-            <a:r>
-              <a:rPr kumimoji="1" lang="en-US" altLang="ja-JP" dirty="0"/>
-              <a:t>0</a:t>
-            </a:r>
-            <a:r>
-              <a:rPr kumimoji="1" lang="ja-JP" altLang="en-US" dirty="0"/>
-              <a:t>になるよりも先に敵の</a:t>
-            </a:r>
-            <a:r>
-              <a:rPr kumimoji="1" lang="en-US" altLang="ja-JP" dirty="0"/>
-              <a:t>HP</a:t>
-            </a:r>
-            <a:r>
-              <a:rPr kumimoji="1" lang="ja-JP" altLang="en-US" dirty="0"/>
-              <a:t>を</a:t>
-            </a:r>
-            <a:r>
-              <a:rPr kumimoji="1" lang="en-US" altLang="ja-JP" dirty="0"/>
-              <a:t>0</a:t>
-            </a:r>
-            <a:r>
-              <a:rPr kumimoji="1" lang="ja-JP" altLang="en-US" dirty="0"/>
-              <a:t>にする必要があります。</a:t>
-            </a:r>
-            <a:endParaRPr kumimoji="1" lang="en-US" altLang="ja-JP" dirty="0"/>
-          </a:p>
-          <a:p>
-            <a:endParaRPr kumimoji="1" lang="ja-JP" altLang="en-US" dirty="0"/>
           </a:p>
         </p:txBody>
       </p:sp>
@@ -1216,7 +1170,7 @@
           <a:p>
             <a:fld id="{06EA2465-E7C7-4F1E-8C50-D20E735A8D73}" type="slidenum">
               <a:rPr kumimoji="1" lang="ja-JP" altLang="en-US" smtClean="0"/>
-              <a:t>5</a:t>
+              <a:t>4</a:t>
             </a:fld>
             <a:endParaRPr kumimoji="1" lang="ja-JP" altLang="en-US"/>
           </a:p>
@@ -1225,7 +1179,7 @@
     </p:spTree>
     <p:extLst>
       <p:ext uri="{BB962C8B-B14F-4D97-AF65-F5344CB8AC3E}">
-        <p14:creationId xmlns:p14="http://schemas.microsoft.com/office/powerpoint/2010/main" val="3337479836"/>
+        <p14:creationId xmlns:p14="http://schemas.microsoft.com/office/powerpoint/2010/main" val="1311721872"/>
       </p:ext>
     </p:extLst>
   </p:cSld>
@@ -1281,30 +1235,92 @@
           <a:p>
             <a:r>
               <a:rPr kumimoji="1" lang="ja-JP" altLang="en-US" dirty="0"/>
-              <a:t>次に勝利した場合の操作方法についてです。</a:t>
+              <a:t>ここからはアプリの機能についてもう少し詳しく！ご説明していきます。</a:t>
             </a:r>
             <a:endParaRPr kumimoji="1" lang="en-US" altLang="ja-JP" dirty="0"/>
           </a:p>
           <a:p>
             <a:r>
               <a:rPr kumimoji="1" lang="ja-JP" altLang="en-US" dirty="0"/>
-              <a:t>勝利すると、スライド左側のように選択肢が出てきます。ここで</a:t>
+              <a:t>画面の上に敵の</a:t>
             </a:r>
             <a:r>
               <a:rPr kumimoji="1" lang="en-US" altLang="ja-JP" dirty="0"/>
-              <a:t>next</a:t>
+              <a:t>HP</a:t>
             </a:r>
             <a:r>
               <a:rPr kumimoji="1" lang="ja-JP" altLang="en-US" dirty="0"/>
-              <a:t>を選択するとスライド右側のように次のステージへ進み、</a:t>
+              <a:t>、パズルの上にプレイヤーの</a:t>
             </a:r>
             <a:r>
               <a:rPr kumimoji="1" lang="en-US" altLang="ja-JP" dirty="0"/>
-              <a:t>quit</a:t>
+              <a:t>HP</a:t>
             </a:r>
             <a:r>
               <a:rPr kumimoji="1" lang="ja-JP" altLang="en-US" dirty="0"/>
-              <a:t>を選択するとゲームを終了します。</a:t>
+              <a:t>が表示されます。</a:t>
+            </a:r>
+            <a:r>
+              <a:rPr kumimoji="1" lang="en-US" altLang="ja-JP" dirty="0"/>
+              <a:t>2</a:t>
+            </a:r>
+            <a:r>
+              <a:rPr kumimoji="1" lang="ja-JP" altLang="en-US" dirty="0"/>
+              <a:t>つのボールをクリックにより選択することで、ボールを入れ替えることができます。</a:t>
+            </a:r>
+            <a:endParaRPr kumimoji="1" lang="en-US" altLang="ja-JP" dirty="0"/>
+          </a:p>
+          <a:p>
+            <a:r>
+              <a:rPr kumimoji="1" lang="ja-JP" altLang="en-US" dirty="0"/>
+              <a:t>そして、</a:t>
+            </a:r>
+            <a:r>
+              <a:rPr kumimoji="1" lang="en-US" altLang="ja-JP" dirty="0"/>
+              <a:t>3</a:t>
+            </a:r>
+            <a:r>
+              <a:rPr kumimoji="1" lang="ja-JP" altLang="en-US" dirty="0"/>
+              <a:t>つ以上同じ色のボールが繋がると、画面右側のように自動で消えます。</a:t>
+            </a:r>
+            <a:endParaRPr kumimoji="1" lang="en-US" altLang="ja-JP" dirty="0"/>
+          </a:p>
+          <a:p>
+            <a:r>
+              <a:rPr kumimoji="1" lang="ja-JP" altLang="en-US" dirty="0"/>
+              <a:t>パズルが消えると敵にダメージを与えることができます。また、相手のターンには敵からの攻撃も受けますので、自分の</a:t>
+            </a:r>
+            <a:r>
+              <a:rPr kumimoji="1" lang="en-US" altLang="ja-JP" dirty="0"/>
+              <a:t>HP</a:t>
+            </a:r>
+            <a:r>
+              <a:rPr kumimoji="1" lang="ja-JP" altLang="en-US" dirty="0"/>
+              <a:t>が</a:t>
+            </a:r>
+            <a:r>
+              <a:rPr kumimoji="1" lang="en-US" altLang="ja-JP" dirty="0"/>
+              <a:t>0</a:t>
+            </a:r>
+            <a:r>
+              <a:rPr kumimoji="1" lang="ja-JP" altLang="en-US" dirty="0"/>
+              <a:t>になるよりも先に敵の</a:t>
+            </a:r>
+            <a:r>
+              <a:rPr kumimoji="1" lang="en-US" altLang="ja-JP" dirty="0"/>
+              <a:t>HP</a:t>
+            </a:r>
+            <a:r>
+              <a:rPr kumimoji="1" lang="ja-JP" altLang="en-US" dirty="0"/>
+              <a:t>を</a:t>
+            </a:r>
+            <a:r>
+              <a:rPr kumimoji="1" lang="en-US" altLang="ja-JP" dirty="0"/>
+              <a:t>0</a:t>
+            </a:r>
+            <a:r>
+              <a:rPr kumimoji="1" lang="ja-JP" altLang="en-US" dirty="0"/>
+              <a:t>にする必要があります。</a:t>
             </a:r>
             <a:endParaRPr kumimoji="1" lang="en-US" altLang="ja-JP" dirty="0"/>
           </a:p>
@@ -1330,7 +1346,7 @@
           <a:p>
             <a:fld id="{06EA2465-E7C7-4F1E-8C50-D20E735A8D73}" type="slidenum">
               <a:rPr kumimoji="1" lang="ja-JP" altLang="en-US" smtClean="0"/>
-              <a:t>6</a:t>
+              <a:t>5</a:t>
             </a:fld>
             <a:endParaRPr kumimoji="1" lang="ja-JP" altLang="en-US"/>
           </a:p>
@@ -1339,7 +1355,7 @@
     </p:spTree>
     <p:extLst>
       <p:ext uri="{BB962C8B-B14F-4D97-AF65-F5344CB8AC3E}">
-        <p14:creationId xmlns:p14="http://schemas.microsoft.com/office/powerpoint/2010/main" val="3954199307"/>
+        <p14:creationId xmlns:p14="http://schemas.microsoft.com/office/powerpoint/2010/main" val="3337479836"/>
       </p:ext>
     </p:extLst>
   </p:cSld>
@@ -1444,7 +1460,7 @@
           <a:p>
             <a:fld id="{06EA2465-E7C7-4F1E-8C50-D20E735A8D73}" type="slidenum">
               <a:rPr kumimoji="1" lang="ja-JP" altLang="en-US" smtClean="0"/>
-              <a:t>7</a:t>
+              <a:t>6</a:t>
             </a:fld>
             <a:endParaRPr kumimoji="1" lang="ja-JP" altLang="en-US"/>
           </a:p>
@@ -1453,7 +1469,7 @@
     </p:spTree>
     <p:extLst>
       <p:ext uri="{BB962C8B-B14F-4D97-AF65-F5344CB8AC3E}">
-        <p14:creationId xmlns:p14="http://schemas.microsoft.com/office/powerpoint/2010/main" val="3033120278"/>
+        <p14:creationId xmlns:p14="http://schemas.microsoft.com/office/powerpoint/2010/main" val="3954199307"/>
       </p:ext>
     </p:extLst>
   </p:cSld>
@@ -1507,6 +1523,120 @@
           <a:bodyPr/>
           <a:lstStyle/>
           <a:p>
+            <a:r>
+              <a:rPr kumimoji="1" lang="ja-JP" altLang="en-US" dirty="0"/>
+              <a:t>次に敗北した場合の操作方法についてです。</a:t>
+            </a:r>
+            <a:endParaRPr kumimoji="1" lang="en-US" altLang="ja-JP" dirty="0"/>
+          </a:p>
+          <a:p>
+            <a:r>
+              <a:rPr kumimoji="1" lang="ja-JP" altLang="en-US" dirty="0"/>
+              <a:t>勝利すると、スライド左側のように選択肢が出てきます。ここで</a:t>
+            </a:r>
+            <a:r>
+              <a:rPr kumimoji="1" lang="en-US" altLang="ja-JP" dirty="0"/>
+              <a:t>next</a:t>
+            </a:r>
+            <a:r>
+              <a:rPr kumimoji="1" lang="ja-JP" altLang="en-US" dirty="0"/>
+              <a:t>を選択するとスライド右側のように次のステージへ進み、</a:t>
+            </a:r>
+            <a:r>
+              <a:rPr kumimoji="1" lang="en-US" altLang="ja-JP" dirty="0"/>
+              <a:t>quit</a:t>
+            </a:r>
+            <a:r>
+              <a:rPr kumimoji="1" lang="ja-JP" altLang="en-US" dirty="0"/>
+              <a:t>を選択するとゲームを終了します。</a:t>
+            </a:r>
+            <a:endParaRPr kumimoji="1" lang="en-US" altLang="ja-JP" dirty="0"/>
+          </a:p>
+          <a:p>
+            <a:endParaRPr kumimoji="1" lang="ja-JP" altLang="en-US" dirty="0"/>
+          </a:p>
+        </p:txBody>
+      </p:sp>
+      <p:sp>
+        <p:nvSpPr>
+          <p:cNvPr id="4" name="スライド番号プレースホルダー 3"/>
+          <p:cNvSpPr>
+            <a:spLocks noGrp="1"/>
+          </p:cNvSpPr>
+          <p:nvPr>
+            <p:ph type="sldNum" sz="quarter" idx="5"/>
+          </p:nvPr>
+        </p:nvSpPr>
+        <p:spPr/>
+        <p:txBody>
+          <a:bodyPr/>
+          <a:lstStyle/>
+          <a:p>
+            <a:fld id="{06EA2465-E7C7-4F1E-8C50-D20E735A8D73}" type="slidenum">
+              <a:rPr kumimoji="1" lang="ja-JP" altLang="en-US" smtClean="0"/>
+              <a:t>7</a:t>
+            </a:fld>
+            <a:endParaRPr kumimoji="1" lang="ja-JP" altLang="en-US"/>
+          </a:p>
+        </p:txBody>
+      </p:sp>
+    </p:spTree>
+    <p:extLst>
+      <p:ext uri="{BB962C8B-B14F-4D97-AF65-F5344CB8AC3E}">
+        <p14:creationId xmlns:p14="http://schemas.microsoft.com/office/powerpoint/2010/main" val="3033120278"/>
+      </p:ext>
+    </p:extLst>
+  </p:cSld>
+  <p:clrMapOvr>
+    <a:masterClrMapping/>
+  </p:clrMapOvr>
+</p:notes>
+</file>
+
+<file path=ppt/notesSlides/notesSlide8.xml><?xml version="1.0" encoding="utf-8"?>
+<p:notes xmlns:a="http://schemas.openxmlformats.org/drawingml/2006/main" xmlns:r="http://schemas.openxmlformats.org/officeDocument/2006/relationships" xmlns:p="http://schemas.openxmlformats.org/presentationml/2006/main">
+  <p:cSld>
+    <p:spTree>
+      <p:nvGrpSpPr>
+        <p:cNvPr id="1" name=""/>
+        <p:cNvGrpSpPr/>
+        <p:nvPr/>
+      </p:nvGrpSpPr>
+      <p:grpSpPr>
+        <a:xfrm>
+          <a:off x="0" y="0"/>
+          <a:ext cx="0" cy="0"/>
+          <a:chOff x="0" y="0"/>
+          <a:chExt cx="0" cy="0"/>
+        </a:xfrm>
+      </p:grpSpPr>
+      <p:sp>
+        <p:nvSpPr>
+          <p:cNvPr id="2" name="スライド イメージ プレースホルダー 1"/>
+          <p:cNvSpPr>
+            <a:spLocks noGrp="1" noRot="1" noChangeAspect="1"/>
+          </p:cNvSpPr>
+          <p:nvPr>
+            <p:ph type="sldImg"/>
+          </p:nvPr>
+        </p:nvSpPr>
+        <p:spPr/>
+      </p:sp>
+      <p:sp>
+        <p:nvSpPr>
+          <p:cNvPr id="3" name="ノート プレースホルダー 2"/>
+          <p:cNvSpPr>
+            <a:spLocks noGrp="1"/>
+          </p:cNvSpPr>
+          <p:nvPr>
+            <p:ph type="body" idx="1"/>
+          </p:nvPr>
+        </p:nvSpPr>
+        <p:spPr/>
+        <p:txBody>
+          <a:bodyPr/>
+          <a:lstStyle/>
+          <a:p>
             <a:pPr marL="0" marR="0" lvl="0" indent="0" algn="l" defTabSz="914400" rtl="0" eaLnBrk="1" fontAlgn="auto" latinLnBrk="0" hangingPunct="1">
               <a:lnSpc>
                 <a:spcPct val="100000"/>
@@ -1570,7 +1700,7 @@
 </p:notes>
 </file>
 
-<file path=ppt/notesSlides/notesSlide8.xml><?xml version="1.0" encoding="utf-8"?>
+<file path=ppt/notesSlides/notesSlide9.xml><?xml version="1.0" encoding="utf-8"?>
 <p:notes xmlns:a="http://schemas.openxmlformats.org/drawingml/2006/main" xmlns:r="http://schemas.openxmlformats.org/officeDocument/2006/relationships" xmlns:p="http://schemas.openxmlformats.org/presentationml/2006/main">
   <p:cSld>
     <p:spTree>
@@ -8773,7 +8903,7 @@
           <p:nvPr/>
         </p:nvPicPr>
         <p:blipFill>
-          <a:blip r:embed="rId2"/>
+          <a:blip r:embed="rId3"/>
           <a:srcRect l="73430" t="52355" r="4544" b="5605"/>
           <a:stretch>
             <a:fillRect/>
@@ -8804,7 +8934,7 @@
           <p:nvPr/>
         </p:nvPicPr>
         <p:blipFill>
-          <a:blip r:embed="rId2"/>
+          <a:blip r:embed="rId3"/>
           <a:srcRect l="5039" t="2006" r="73571" b="48602"/>
           <a:stretch>
             <a:fillRect/>
@@ -8835,7 +8965,7 @@
           <p:nvPr/>
         </p:nvPicPr>
         <p:blipFill>
-          <a:blip r:embed="rId2"/>
+          <a:blip r:embed="rId3"/>
           <a:srcRect l="36741" t="2696" r="36141" b="50440"/>
           <a:stretch>
             <a:fillRect/>
@@ -8866,7 +8996,7 @@
           <p:nvPr/>
         </p:nvPicPr>
         <p:blipFill>
-          <a:blip r:embed="rId2"/>
+          <a:blip r:embed="rId3"/>
           <a:srcRect l="69546" t="3473" r="6773" b="52394"/>
           <a:stretch>
             <a:fillRect/>
@@ -8897,7 +9027,7 @@
           <p:nvPr/>
         </p:nvPicPr>
         <p:blipFill>
-          <a:blip r:embed="rId2"/>
+          <a:blip r:embed="rId3"/>
           <a:srcRect l="3257" t="57831" r="70593" b="4357"/>
           <a:stretch>
             <a:fillRect/>
@@ -8928,7 +9058,7 @@
           <p:nvPr/>
         </p:nvPicPr>
         <p:blipFill>
-          <a:blip r:embed="rId2"/>
+          <a:blip r:embed="rId3"/>
           <a:srcRect l="39414" t="58519" r="38433" b="1967"/>
           <a:stretch>
             <a:fillRect/>
